--- a/powerpoint_template/software_fellow_poster_template.pptx
+++ b/powerpoint_template/software_fellow_poster_template.pptx
@@ -120,6 +120,26 @@
             <a:srgbClr val="A4A3A4"/>
           </p15:clr>
         </p15:guide>
+        <p15:guide id="3" pos="576" userDrawn="1">
+          <p15:clr>
+            <a:srgbClr val="A4A3A4"/>
+          </p15:clr>
+        </p15:guide>
+        <p15:guide id="4" pos="6336" userDrawn="1">
+          <p15:clr>
+            <a:srgbClr val="A4A3A4"/>
+          </p15:clr>
+        </p15:guide>
+        <p15:guide id="5" pos="7488" userDrawn="1">
+          <p15:clr>
+            <a:srgbClr val="A4A3A4"/>
+          </p15:clr>
+        </p15:guide>
+        <p15:guide id="6" pos="13248" userDrawn="1">
+          <p15:clr>
+            <a:srgbClr val="A4A3A4"/>
+          </p15:clr>
+        </p15:guide>
       </p15:sldGuideLst>
     </p:ext>
     <p:ext uri="{2D200454-40CA-4A62-9FC3-DE9A4176ACB9}">
@@ -211,7 +231,7 @@
           <a:p>
             <a:fld id="{AF7FB279-EAE1-476A-9F41-43063A731B82}" type="datetimeFigureOut">
               <a:rPr lang="en-US" smtClean="0"/>
-              <a:t>3/28/18</a:t>
+              <a:t>2/25/19</a:t>
             </a:fld>
             <a:endParaRPr lang="en-US"/>
           </a:p>
@@ -750,7 +770,7 @@
             <a:fld id="{6E745FD6-2EE0-4B51-BDA4-4F029209A553}" type="datetimeFigureOut">
               <a:rPr lang="en-US" smtClean="0"/>
               <a:pPr/>
-              <a:t>3/28/18</a:t>
+              <a:t>2/25/19</a:t>
             </a:fld>
             <a:endParaRPr lang="en-US"/>
           </a:p>
@@ -929,7 +949,7 @@
             <a:fld id="{6E745FD6-2EE0-4B51-BDA4-4F029209A553}" type="datetimeFigureOut">
               <a:rPr lang="en-US" smtClean="0"/>
               <a:pPr/>
-              <a:t>3/28/18</a:t>
+              <a:t>2/25/19</a:t>
             </a:fld>
             <a:endParaRPr lang="en-US"/>
           </a:p>
@@ -1111,7 +1131,7 @@
             <a:fld id="{6E745FD6-2EE0-4B51-BDA4-4F029209A553}" type="datetimeFigureOut">
               <a:rPr lang="en-US" smtClean="0"/>
               <a:pPr/>
-              <a:t>3/28/18</a:t>
+              <a:t>2/25/19</a:t>
             </a:fld>
             <a:endParaRPr lang="en-US"/>
           </a:p>
@@ -1283,7 +1303,7 @@
             <a:fld id="{6E745FD6-2EE0-4B51-BDA4-4F029209A553}" type="datetimeFigureOut">
               <a:rPr lang="en-US" smtClean="0"/>
               <a:pPr/>
-              <a:t>3/28/18</a:t>
+              <a:t>2/25/19</a:t>
             </a:fld>
             <a:endParaRPr lang="en-US"/>
           </a:p>
@@ -1531,7 +1551,7 @@
             <a:fld id="{6E745FD6-2EE0-4B51-BDA4-4F029209A553}" type="datetimeFigureOut">
               <a:rPr lang="en-US" smtClean="0"/>
               <a:pPr/>
-              <a:t>3/28/18</a:t>
+              <a:t>2/25/19</a:t>
             </a:fld>
             <a:endParaRPr lang="en-US"/>
           </a:p>
@@ -1821,7 +1841,7 @@
             <a:fld id="{6E745FD6-2EE0-4B51-BDA4-4F029209A553}" type="datetimeFigureOut">
               <a:rPr lang="en-US" smtClean="0"/>
               <a:pPr/>
-              <a:t>3/28/18</a:t>
+              <a:t>2/25/19</a:t>
             </a:fld>
             <a:endParaRPr lang="en-US"/>
           </a:p>
@@ -2250,7 +2270,7 @@
             <a:fld id="{6E745FD6-2EE0-4B51-BDA4-4F029209A553}" type="datetimeFigureOut">
               <a:rPr lang="en-US" smtClean="0"/>
               <a:pPr/>
-              <a:t>3/28/18</a:t>
+              <a:t>2/25/19</a:t>
             </a:fld>
             <a:endParaRPr lang="en-US"/>
           </a:p>
@@ -2370,7 +2390,7 @@
             <a:fld id="{6E745FD6-2EE0-4B51-BDA4-4F029209A553}" type="datetimeFigureOut">
               <a:rPr lang="en-US" smtClean="0"/>
               <a:pPr/>
-              <a:t>3/28/18</a:t>
+              <a:t>2/25/19</a:t>
             </a:fld>
             <a:endParaRPr lang="en-US"/>
           </a:p>
@@ -2467,7 +2487,7 @@
             <a:fld id="{6E745FD6-2EE0-4B51-BDA4-4F029209A553}" type="datetimeFigureOut">
               <a:rPr lang="en-US" smtClean="0"/>
               <a:pPr/>
-              <a:t>3/28/18</a:t>
+              <a:t>2/25/19</a:t>
             </a:fld>
             <a:endParaRPr lang="en-US"/>
           </a:p>
@@ -2746,7 +2766,7 @@
             <a:fld id="{6E745FD6-2EE0-4B51-BDA4-4F029209A553}" type="datetimeFigureOut">
               <a:rPr lang="en-US" smtClean="0"/>
               <a:pPr/>
-              <a:t>3/28/18</a:t>
+              <a:t>2/25/19</a:t>
             </a:fld>
             <a:endParaRPr lang="en-US"/>
           </a:p>
@@ -3001,7 +3021,7 @@
             <a:fld id="{6E745FD6-2EE0-4B51-BDA4-4F029209A553}" type="datetimeFigureOut">
               <a:rPr lang="en-US" smtClean="0"/>
               <a:pPr/>
-              <a:t>3/28/18</a:t>
+              <a:t>2/25/19</a:t>
             </a:fld>
             <a:endParaRPr lang="en-US"/>
           </a:p>
@@ -3216,7 +3236,7 @@
             <a:fld id="{6E745FD6-2EE0-4B51-BDA4-4F029209A553}" type="datetimeFigureOut">
               <a:rPr lang="en-US" smtClean="0"/>
               <a:pPr/>
-              <a:t>3/28/18</a:t>
+              <a:t>2/25/19</a:t>
             </a:fld>
             <a:endParaRPr lang="en-US"/>
           </a:p>
@@ -3600,7 +3620,7 @@
         </p:nvSpPr>
         <p:spPr>
           <a:xfrm>
-            <a:off x="0" y="1981201"/>
+            <a:off x="33528" y="2010740"/>
             <a:ext cx="21945600" cy="3231761"/>
           </a:xfrm>
           <a:prstGeom prst="rect">
@@ -3793,7 +3813,7 @@
         </p:blipFill>
         <p:spPr>
           <a:xfrm>
-            <a:off x="19202400" y="30175200"/>
+            <a:off x="19126200" y="30712593"/>
             <a:ext cx="2177449" cy="2190567"/>
           </a:xfrm>
           <a:prstGeom prst="rect">
@@ -3833,18 +3853,7 @@
                 <a:ea typeface="DIN Condensed" charset="0"/>
                 <a:cs typeface="DIN Condensed" charset="0"/>
               </a:rPr>
-              <a:t>Software Project Title Software Project </a:t>
-            </a:r>
-            <a:r>
-              <a:rPr lang="en-US" sz="5400" spc="300" dirty="0" smtClean="0">
-                <a:solidFill>
-                  <a:srgbClr val="EF0810"/>
-                </a:solidFill>
-                <a:latin typeface="DIN Condensed" charset="0"/>
-                <a:ea typeface="DIN Condensed" charset="0"/>
-                <a:cs typeface="DIN Condensed" charset="0"/>
-              </a:rPr>
-              <a:t>Title</a:t>
+              <a:t>Software Project Title Software Project Title</a:t>
             </a:r>
           </a:p>
           <a:p>
@@ -3895,83 +3904,93 @@
               </a:rPr>
               <a:t>Software Scientist Mentor: Name Here</a:t>
             </a:r>
-            <a:endParaRPr lang="en-US" sz="2400" b="1" dirty="0" smtClean="0">
-              <a:latin typeface="DIN" charset="0"/>
-              <a:ea typeface="DIN" charset="0"/>
-              <a:cs typeface="DIN" charset="0"/>
-            </a:endParaRPr>
-          </a:p>
-        </p:txBody>
-      </p:sp>
-      <p:cxnSp>
-        <p:nvCxnSpPr>
-          <p:cNvPr id="10" name="Straight Connector 9"/>
-          <p:cNvCxnSpPr/>
+          </a:p>
+        </p:txBody>
+      </p:sp>
+      <p:grpSp>
+        <p:nvGrpSpPr>
+          <p:cNvPr id="8" name="Group 7"/>
+          <p:cNvGrpSpPr/>
           <p:nvPr/>
-        </p:nvCxnSpPr>
-        <p:spPr>
-          <a:xfrm>
-            <a:off x="914400" y="5943600"/>
-            <a:ext cx="9144000" cy="0"/>
-          </a:xfrm>
-          <a:prstGeom prst="line">
-            <a:avLst/>
-          </a:prstGeom>
-          <a:ln w="25400"/>
-        </p:spPr>
-        <p:style>
-          <a:lnRef idx="1">
-            <a:schemeClr val="dk1"/>
-          </a:lnRef>
-          <a:fillRef idx="0">
-            <a:schemeClr val="dk1"/>
-          </a:fillRef>
-          <a:effectRef idx="0">
-            <a:schemeClr val="dk1"/>
-          </a:effectRef>
-          <a:fontRef idx="minor">
-            <a:schemeClr val="tx1"/>
-          </a:fontRef>
-        </p:style>
-      </p:cxnSp>
-      <p:sp>
-        <p:nvSpPr>
-          <p:cNvPr id="11" name="TextBox 10"/>
-          <p:cNvSpPr txBox="1"/>
-          <p:nvPr/>
-        </p:nvSpPr>
-        <p:spPr>
+        </p:nvGrpSpPr>
+        <p:grpSpPr>
           <a:xfrm>
             <a:off x="862988" y="5174159"/>
             <a:ext cx="9195412" cy="769441"/>
+            <a:chOff x="862988" y="5174159"/>
+            <a:chExt cx="9195412" cy="769441"/>
           </a:xfrm>
-          <a:prstGeom prst="rect">
-            <a:avLst/>
-          </a:prstGeom>
-          <a:noFill/>
-        </p:spPr>
-        <p:txBody>
-          <a:bodyPr wrap="square" rtlCol="0">
-            <a:spAutoFit/>
-          </a:bodyPr>
-          <a:lstStyle/>
-          <a:p>
-            <a:r>
-              <a:rPr lang="en-US" sz="4400" spc="300" dirty="0" smtClean="0">
+        </p:grpSpPr>
+        <p:cxnSp>
+          <p:nvCxnSpPr>
+            <p:cNvPr id="10" name="Straight Connector 9"/>
+            <p:cNvCxnSpPr/>
+            <p:nvPr/>
+          </p:nvCxnSpPr>
+          <p:spPr>
+            <a:xfrm>
+              <a:off x="914400" y="5943600"/>
+              <a:ext cx="9144000" cy="0"/>
+            </a:xfrm>
+            <a:prstGeom prst="line">
+              <a:avLst/>
+            </a:prstGeom>
+            <a:ln w="25400"/>
+          </p:spPr>
+          <p:style>
+            <a:lnRef idx="1">
+              <a:schemeClr val="dk1"/>
+            </a:lnRef>
+            <a:fillRef idx="0">
+              <a:schemeClr val="dk1"/>
+            </a:fillRef>
+            <a:effectRef idx="0">
+              <a:schemeClr val="dk1"/>
+            </a:effectRef>
+            <a:fontRef idx="minor">
+              <a:schemeClr val="tx1"/>
+            </a:fontRef>
+          </p:style>
+        </p:cxnSp>
+        <p:sp>
+          <p:nvSpPr>
+            <p:cNvPr id="11" name="TextBox 10"/>
+            <p:cNvSpPr txBox="1"/>
+            <p:nvPr/>
+          </p:nvSpPr>
+          <p:spPr>
+            <a:xfrm>
+              <a:off x="862988" y="5174159"/>
+              <a:ext cx="9195412" cy="769441"/>
+            </a:xfrm>
+            <a:prstGeom prst="rect">
+              <a:avLst/>
+            </a:prstGeom>
+            <a:noFill/>
+          </p:spPr>
+          <p:txBody>
+            <a:bodyPr wrap="square" rtlCol="0">
+              <a:spAutoFit/>
+            </a:bodyPr>
+            <a:lstStyle/>
+            <a:p>
+              <a:r>
+                <a:rPr lang="en-US" sz="4400" spc="300" dirty="0" smtClean="0">
+                  <a:latin typeface="DIN Condensed" charset="0"/>
+                  <a:ea typeface="DIN Condensed" charset="0"/>
+                  <a:cs typeface="DIN Condensed" charset="0"/>
+                </a:rPr>
+                <a:t>Section Title</a:t>
+              </a:r>
+              <a:endParaRPr lang="en-US" sz="4400" spc="300" dirty="0">
                 <a:latin typeface="DIN Condensed" charset="0"/>
                 <a:ea typeface="DIN Condensed" charset="0"/>
                 <a:cs typeface="DIN Condensed" charset="0"/>
-              </a:rPr>
-              <a:t>Section Title</a:t>
-            </a:r>
-            <a:endParaRPr lang="en-US" sz="4400" spc="300" dirty="0">
-              <a:latin typeface="DIN Condensed" charset="0"/>
-              <a:ea typeface="DIN Condensed" charset="0"/>
-              <a:cs typeface="DIN Condensed" charset="0"/>
-            </a:endParaRPr>
-          </a:p>
-        </p:txBody>
-      </p:sp>
+              </a:endParaRPr>
+            </a:p>
+          </p:txBody>
+        </p:sp>
+      </p:grpSp>
       <p:sp>
         <p:nvSpPr>
           <p:cNvPr id="13" name="TextBox 12"/>
@@ -4144,6 +4163,177 @@
           </a:p>
         </p:txBody>
       </p:sp>
+      <p:sp>
+        <p:nvSpPr>
+          <p:cNvPr id="12" name="TextBox 11"/>
+          <p:cNvSpPr txBox="1"/>
+          <p:nvPr/>
+        </p:nvSpPr>
+        <p:spPr>
+          <a:xfrm>
+            <a:off x="11811000" y="30212447"/>
+            <a:ext cx="8229600" cy="1323439"/>
+          </a:xfrm>
+          <a:prstGeom prst="rect">
+            <a:avLst/>
+          </a:prstGeom>
+          <a:noFill/>
+        </p:spPr>
+        <p:txBody>
+          <a:bodyPr wrap="square" rtlCol="0">
+            <a:spAutoFit/>
+          </a:bodyPr>
+          <a:lstStyle/>
+          <a:p>
+            <a:r>
+              <a:rPr lang="en-US" sz="2000" dirty="0" smtClean="0">
+                <a:latin typeface="DIN" charset="0"/>
+                <a:ea typeface="DIN" charset="0"/>
+                <a:cs typeface="DIN" charset="0"/>
+              </a:rPr>
+              <a:t>Software </a:t>
+            </a:r>
+            <a:r>
+              <a:rPr lang="en-US" sz="2000" dirty="0">
+                <a:latin typeface="DIN" charset="0"/>
+                <a:ea typeface="DIN" charset="0"/>
+                <a:cs typeface="DIN" charset="0"/>
+              </a:rPr>
+              <a:t>Fellow Name</a:t>
+            </a:r>
+            <a:r>
+              <a:rPr lang="en-US" sz="2000" dirty="0">
+                <a:latin typeface="DIN" charset="0"/>
+                <a:ea typeface="DIN" charset="0"/>
+                <a:cs typeface="DIN" charset="0"/>
+              </a:rPr>
+              <a:t> was supported by a fellowship from The Molecular Sciences Software Institute under NSF grant </a:t>
+            </a:r>
+            <a:r>
+              <a:rPr lang="en-US" sz="2000" dirty="0" smtClean="0">
+                <a:latin typeface="DIN" charset="0"/>
+                <a:ea typeface="DIN" charset="0"/>
+                <a:cs typeface="DIN" charset="0"/>
+              </a:rPr>
+              <a:t>ACI-1547580</a:t>
+            </a:r>
+          </a:p>
+          <a:p>
+            <a:endParaRPr lang="en-US" sz="2000" dirty="0">
+              <a:latin typeface="DIN" charset="0"/>
+              <a:ea typeface="DIN" charset="0"/>
+              <a:cs typeface="DIN" charset="0"/>
+            </a:endParaRPr>
+          </a:p>
+          <a:p>
+            <a:r>
+              <a:rPr lang="en-US" sz="2000" dirty="0" smtClean="0">
+                <a:latin typeface="DIN" charset="0"/>
+                <a:ea typeface="DIN" charset="0"/>
+                <a:cs typeface="DIN" charset="0"/>
+              </a:rPr>
+              <a:t>* Other funding acknowledgements</a:t>
+            </a:r>
+            <a:endParaRPr lang="en-US" sz="2000" dirty="0">
+              <a:latin typeface="DIN" charset="0"/>
+              <a:ea typeface="DIN" charset="0"/>
+              <a:cs typeface="DIN" charset="0"/>
+            </a:endParaRPr>
+          </a:p>
+        </p:txBody>
+      </p:sp>
+      <p:grpSp>
+        <p:nvGrpSpPr>
+          <p:cNvPr id="3" name="Group 2"/>
+          <p:cNvGrpSpPr/>
+          <p:nvPr/>
+        </p:nvGrpSpPr>
+        <p:grpSpPr>
+          <a:xfrm>
+            <a:off x="11811000" y="29351216"/>
+            <a:ext cx="9195412" cy="769441"/>
+            <a:chOff x="10921388" y="28813823"/>
+            <a:chExt cx="9195412" cy="769441"/>
+          </a:xfrm>
+        </p:grpSpPr>
+        <p:cxnSp>
+          <p:nvCxnSpPr>
+            <p:cNvPr id="16" name="Straight Connector 15"/>
+            <p:cNvCxnSpPr/>
+            <p:nvPr/>
+          </p:nvCxnSpPr>
+          <p:spPr>
+            <a:xfrm>
+              <a:off x="10972800" y="29583264"/>
+              <a:ext cx="9144000" cy="0"/>
+            </a:xfrm>
+            <a:prstGeom prst="line">
+              <a:avLst/>
+            </a:prstGeom>
+            <a:ln w="25400"/>
+          </p:spPr>
+          <p:style>
+            <a:lnRef idx="1">
+              <a:schemeClr val="dk1"/>
+            </a:lnRef>
+            <a:fillRef idx="0">
+              <a:schemeClr val="dk1"/>
+            </a:fillRef>
+            <a:effectRef idx="0">
+              <a:schemeClr val="dk1"/>
+            </a:effectRef>
+            <a:fontRef idx="minor">
+              <a:schemeClr val="tx1"/>
+            </a:fontRef>
+          </p:style>
+        </p:cxnSp>
+        <p:sp>
+          <p:nvSpPr>
+            <p:cNvPr id="17" name="TextBox 16"/>
+            <p:cNvSpPr txBox="1"/>
+            <p:nvPr/>
+          </p:nvSpPr>
+          <p:spPr>
+            <a:xfrm>
+              <a:off x="10921388" y="28813823"/>
+              <a:ext cx="9195412" cy="769441"/>
+            </a:xfrm>
+            <a:prstGeom prst="rect">
+              <a:avLst/>
+            </a:prstGeom>
+            <a:noFill/>
+          </p:spPr>
+          <p:txBody>
+            <a:bodyPr wrap="square" rtlCol="0">
+              <a:spAutoFit/>
+            </a:bodyPr>
+            <a:lstStyle/>
+            <a:p>
+              <a:r>
+                <a:rPr lang="en-US" sz="4400" spc="300" dirty="0" smtClean="0">
+                  <a:latin typeface="DIN Condensed" charset="0"/>
+                  <a:ea typeface="DIN Condensed" charset="0"/>
+                  <a:cs typeface="DIN Condensed" charset="0"/>
+                </a:rPr>
+                <a:t>Ackn</a:t>
+              </a:r>
+              <a:r>
+                <a:rPr lang="en-US" sz="4400" spc="300" dirty="0" smtClean="0">
+                  <a:latin typeface="DIN Condensed" charset="0"/>
+                  <a:ea typeface="DIN Condensed" charset="0"/>
+                  <a:cs typeface="DIN Condensed" charset="0"/>
+                </a:rPr>
+                <a:t>owledgements</a:t>
+              </a:r>
+              <a:endParaRPr lang="en-US" sz="4400" spc="300" dirty="0">
+                <a:latin typeface="DIN Condensed" charset="0"/>
+                <a:ea typeface="DIN Condensed" charset="0"/>
+                <a:cs typeface="DIN Condensed" charset="0"/>
+              </a:endParaRPr>
+            </a:p>
+          </p:txBody>
+        </p:sp>
+      </p:grpSp>
     </p:spTree>
     <p:extLst>
       <p:ext uri="{BB962C8B-B14F-4D97-AF65-F5344CB8AC3E}">

--- a/powerpoint_template/software_fellow_poster_template.pptx
+++ b/powerpoint_template/software_fellow_poster_template.pptx
@@ -7,8 +7,11 @@
   <p:notesMasterIdLst>
     <p:notesMasterId r:id="rId3"/>
   </p:notesMasterIdLst>
+  <p:handoutMasterIdLst>
+    <p:handoutMasterId r:id="rId4"/>
+  </p:handoutMasterIdLst>
   <p:sldIdLst>
-    <p:sldId id="256" r:id="rId2"/>
+    <p:sldId id="257" r:id="rId2"/>
   </p:sldIdLst>
   <p:sldSz cx="21945600" cy="32918400"/>
   <p:notesSz cx="6858000" cy="9144000"/>
@@ -149,6 +152,195 @@
 </p:presentation>
 </file>
 
+<file path=ppt/handoutMasters/handoutMaster1.xml><?xml version="1.0" encoding="utf-8"?>
+<p:handoutMaster xmlns:a="http://schemas.openxmlformats.org/drawingml/2006/main" xmlns:r="http://schemas.openxmlformats.org/officeDocument/2006/relationships" xmlns:p="http://schemas.openxmlformats.org/presentationml/2006/main">
+  <p:cSld>
+    <p:bg>
+      <p:bgRef idx="1001">
+        <a:schemeClr val="bg1"/>
+      </p:bgRef>
+    </p:bg>
+    <p:spTree>
+      <p:nvGrpSpPr>
+        <p:cNvPr id="1" name=""/>
+        <p:cNvGrpSpPr/>
+        <p:nvPr/>
+      </p:nvGrpSpPr>
+      <p:grpSpPr>
+        <a:xfrm>
+          <a:off x="0" y="0"/>
+          <a:ext cx="0" cy="0"/>
+          <a:chOff x="0" y="0"/>
+          <a:chExt cx="0" cy="0"/>
+        </a:xfrm>
+      </p:grpSpPr>
+      <p:sp>
+        <p:nvSpPr>
+          <p:cNvPr id="2" name="Header Placeholder 1">
+            <a:extLst>
+              <a:ext uri="{FF2B5EF4-FFF2-40B4-BE49-F238E27FC236}">
+                <a16:creationId xmlns:a16="http://schemas.microsoft.com/office/drawing/2014/main" id="{E3621C5B-23FD-2562-652C-67ACA2C0EE8E}"/>
+              </a:ext>
+            </a:extLst>
+          </p:cNvPr>
+          <p:cNvSpPr>
+            <a:spLocks noGrp="1"/>
+          </p:cNvSpPr>
+          <p:nvPr>
+            <p:ph type="hdr" sz="quarter"/>
+          </p:nvPr>
+        </p:nvSpPr>
+        <p:spPr>
+          <a:xfrm>
+            <a:off x="0" y="0"/>
+            <a:ext cx="2971800" cy="458788"/>
+          </a:xfrm>
+          <a:prstGeom prst="rect">
+            <a:avLst/>
+          </a:prstGeom>
+        </p:spPr>
+        <p:txBody>
+          <a:bodyPr vert="horz" lIns="91440" tIns="45720" rIns="91440" bIns="45720" rtlCol="0"/>
+          <a:lstStyle>
+            <a:lvl1pPr algn="l">
+              <a:defRPr sz="1200"/>
+            </a:lvl1pPr>
+          </a:lstStyle>
+          <a:p>
+            <a:endParaRPr lang="en-US"/>
+          </a:p>
+        </p:txBody>
+      </p:sp>
+      <p:sp>
+        <p:nvSpPr>
+          <p:cNvPr id="3" name="Date Placeholder 2">
+            <a:extLst>
+              <a:ext uri="{FF2B5EF4-FFF2-40B4-BE49-F238E27FC236}">
+                <a16:creationId xmlns:a16="http://schemas.microsoft.com/office/drawing/2014/main" id="{5290AF72-255D-F19E-F7D3-A31753C26C71}"/>
+              </a:ext>
+            </a:extLst>
+          </p:cNvPr>
+          <p:cNvSpPr>
+            <a:spLocks noGrp="1"/>
+          </p:cNvSpPr>
+          <p:nvPr>
+            <p:ph type="dt" sz="quarter" idx="1"/>
+          </p:nvPr>
+        </p:nvSpPr>
+        <p:spPr>
+          <a:xfrm>
+            <a:off x="3884613" y="0"/>
+            <a:ext cx="2971800" cy="458788"/>
+          </a:xfrm>
+          <a:prstGeom prst="rect">
+            <a:avLst/>
+          </a:prstGeom>
+        </p:spPr>
+        <p:txBody>
+          <a:bodyPr vert="horz" lIns="91440" tIns="45720" rIns="91440" bIns="45720" rtlCol="0"/>
+          <a:lstStyle>
+            <a:lvl1pPr algn="r">
+              <a:defRPr sz="1200"/>
+            </a:lvl1pPr>
+          </a:lstStyle>
+          <a:p>
+            <a:fld id="{D1C5B0D4-4AE1-4B49-9799-CC007D3D86D7}" type="datetimeFigureOut">
+              <a:rPr lang="en-US" smtClean="0"/>
+              <a:t>6/5/2023</a:t>
+            </a:fld>
+            <a:endParaRPr lang="en-US"/>
+          </a:p>
+        </p:txBody>
+      </p:sp>
+      <p:sp>
+        <p:nvSpPr>
+          <p:cNvPr id="4" name="Footer Placeholder 3">
+            <a:extLst>
+              <a:ext uri="{FF2B5EF4-FFF2-40B4-BE49-F238E27FC236}">
+                <a16:creationId xmlns:a16="http://schemas.microsoft.com/office/drawing/2014/main" id="{A44F10D3-90D0-ADB8-4EC2-71E670C777B6}"/>
+              </a:ext>
+            </a:extLst>
+          </p:cNvPr>
+          <p:cNvSpPr>
+            <a:spLocks noGrp="1"/>
+          </p:cNvSpPr>
+          <p:nvPr>
+            <p:ph type="ftr" sz="quarter" idx="2"/>
+          </p:nvPr>
+        </p:nvSpPr>
+        <p:spPr>
+          <a:xfrm>
+            <a:off x="0" y="8685213"/>
+            <a:ext cx="2971800" cy="458787"/>
+          </a:xfrm>
+          <a:prstGeom prst="rect">
+            <a:avLst/>
+          </a:prstGeom>
+        </p:spPr>
+        <p:txBody>
+          <a:bodyPr vert="horz" lIns="91440" tIns="45720" rIns="91440" bIns="45720" rtlCol="0" anchor="b"/>
+          <a:lstStyle>
+            <a:lvl1pPr algn="l">
+              <a:defRPr sz="1200"/>
+            </a:lvl1pPr>
+          </a:lstStyle>
+          <a:p>
+            <a:endParaRPr lang="en-US"/>
+          </a:p>
+        </p:txBody>
+      </p:sp>
+      <p:sp>
+        <p:nvSpPr>
+          <p:cNvPr id="5" name="Slide Number Placeholder 4">
+            <a:extLst>
+              <a:ext uri="{FF2B5EF4-FFF2-40B4-BE49-F238E27FC236}">
+                <a16:creationId xmlns:a16="http://schemas.microsoft.com/office/drawing/2014/main" id="{5FB921A0-B773-244F-78D3-209AC1CD212F}"/>
+              </a:ext>
+            </a:extLst>
+          </p:cNvPr>
+          <p:cNvSpPr>
+            <a:spLocks noGrp="1"/>
+          </p:cNvSpPr>
+          <p:nvPr>
+            <p:ph type="sldNum" sz="quarter" idx="3"/>
+          </p:nvPr>
+        </p:nvSpPr>
+        <p:spPr>
+          <a:xfrm>
+            <a:off x="3884613" y="8685213"/>
+            <a:ext cx="2971800" cy="458787"/>
+          </a:xfrm>
+          <a:prstGeom prst="rect">
+            <a:avLst/>
+          </a:prstGeom>
+        </p:spPr>
+        <p:txBody>
+          <a:bodyPr vert="horz" lIns="91440" tIns="45720" rIns="91440" bIns="45720" rtlCol="0" anchor="b"/>
+          <a:lstStyle>
+            <a:lvl1pPr algn="r">
+              <a:defRPr sz="1200"/>
+            </a:lvl1pPr>
+          </a:lstStyle>
+          <a:p>
+            <a:fld id="{1B282673-D3C1-40A8-93AE-1ABF87721EA9}" type="slidenum">
+              <a:rPr lang="en-US" smtClean="0"/>
+              <a:t>‹#›</a:t>
+            </a:fld>
+            <a:endParaRPr lang="en-US"/>
+          </a:p>
+        </p:txBody>
+      </p:sp>
+    </p:spTree>
+    <p:extLst>
+      <p:ext uri="{BB962C8B-B14F-4D97-AF65-F5344CB8AC3E}">
+        <p14:creationId xmlns:p14="http://schemas.microsoft.com/office/powerpoint/2010/main" val="3068841790"/>
+      </p:ext>
+    </p:extLst>
+  </p:cSld>
+  <p:clrMap bg1="lt1" tx1="dk1" bg2="lt2" tx2="dk2" accent1="accent1" accent2="accent2" accent3="accent3" accent4="accent4" accent5="accent5" accent6="accent6" hlink="hlink" folHlink="folHlink"/>
+</p:handoutMaster>
+</file>
+
 <file path=ppt/notesMasters/notesMaster1.xml><?xml version="1.0" encoding="utf-8"?>
 <p:notesMaster xmlns:a="http://schemas.openxmlformats.org/drawingml/2006/main" xmlns:r="http://schemas.openxmlformats.org/officeDocument/2006/relationships" xmlns:p="http://schemas.openxmlformats.org/presentationml/2006/main">
   <p:cSld>
@@ -231,7 +423,7 @@
           <a:p>
             <a:fld id="{AF7FB279-EAE1-476A-9F41-43063A731B82}" type="datetimeFigureOut">
               <a:rPr lang="en-US" smtClean="0"/>
-              <a:t>2/25/19</a:t>
+              <a:t>6/5/2023</a:t>
             </a:fld>
             <a:endParaRPr lang="en-US"/>
           </a:p>
@@ -295,38 +487,37 @@
           <a:p>
             <a:pPr lvl="0"/>
             <a:r>
-              <a:rPr lang="en-US" smtClean="0"/>
+              <a:rPr lang="en-US"/>
               <a:t>Click to edit Master text styles</a:t>
             </a:r>
           </a:p>
           <a:p>
             <a:pPr lvl="1"/>
             <a:r>
-              <a:rPr lang="en-US" smtClean="0"/>
+              <a:rPr lang="en-US"/>
               <a:t>Second level</a:t>
             </a:r>
           </a:p>
           <a:p>
             <a:pPr lvl="2"/>
             <a:r>
-              <a:rPr lang="en-US" smtClean="0"/>
+              <a:rPr lang="en-US"/>
               <a:t>Third level</a:t>
             </a:r>
           </a:p>
           <a:p>
             <a:pPr lvl="3"/>
             <a:r>
-              <a:rPr lang="en-US" smtClean="0"/>
+              <a:rPr lang="en-US"/>
               <a:t>Fourth level</a:t>
             </a:r>
           </a:p>
           <a:p>
             <a:pPr lvl="4"/>
             <a:r>
-              <a:rPr lang="en-US" smtClean="0"/>
+              <a:rPr lang="en-US"/>
               <a:t>Fifth level</a:t>
             </a:r>
-            <a:endParaRPr lang="en-US"/>
           </a:p>
         </p:txBody>
       </p:sp>
@@ -499,9 +690,9 @@
 </p:notesMaster>
 </file>
 
-<file path=ppt/notesSlides/notesSlide1.xml><?xml version="1.0" encoding="utf-8"?>
-<p:notes xmlns:a="http://schemas.openxmlformats.org/drawingml/2006/main" xmlns:r="http://schemas.openxmlformats.org/officeDocument/2006/relationships" xmlns:p="http://schemas.openxmlformats.org/presentationml/2006/main">
-  <p:cSld>
+<file path=ppt/slideLayouts/slideLayout1.xml><?xml version="1.0" encoding="utf-8"?>
+<p:sldLayout xmlns:a="http://schemas.openxmlformats.org/drawingml/2006/main" xmlns:r="http://schemas.openxmlformats.org/officeDocument/2006/relationships" xmlns:p="http://schemas.openxmlformats.org/presentationml/2006/main" preserve="1" userDrawn="1">
+  <p:cSld name="Title and Content">
     <p:spTree>
       <p:nvGrpSpPr>
         <p:cNvPr id="1" name=""/>
@@ -518,324 +709,576 @@
       </p:grpSpPr>
       <p:sp>
         <p:nvSpPr>
-          <p:cNvPr id="2" name="Slide Image Placeholder 1"/>
-          <p:cNvSpPr>
-            <a:spLocks noGrp="1" noRot="1" noChangeAspect="1"/>
-          </p:cNvSpPr>
-          <p:nvPr>
-            <p:ph type="sldImg"/>
+          <p:cNvPr id="2" name="Title 1"/>
+          <p:cNvSpPr>
+            <a:spLocks noGrp="1"/>
+          </p:cNvSpPr>
+          <p:nvPr>
+            <p:ph type="title" hasCustomPrompt="1"/>
           </p:nvPr>
         </p:nvSpPr>
         <p:spPr>
           <a:xfrm>
-            <a:off x="2400300" y="1143000"/>
-            <a:ext cx="2057400" cy="3086100"/>
+            <a:off x="4084638" y="0"/>
+            <a:ext cx="13716000" cy="1337347"/>
           </a:xfrm>
         </p:spPr>
-      </p:sp>
-      <p:sp>
-        <p:nvSpPr>
-          <p:cNvPr id="3" name="Notes Placeholder 2"/>
-          <p:cNvSpPr>
-            <a:spLocks noGrp="1"/>
-          </p:cNvSpPr>
-          <p:nvPr>
-            <p:ph type="body" idx="1"/>
-          </p:nvPr>
-        </p:nvSpPr>
-        <p:spPr/>
-        <p:txBody>
-          <a:bodyPr/>
+        <p:txBody>
+          <a:bodyPr>
+            <a:normAutofit/>
+          </a:bodyPr>
+          <a:lstStyle>
+            <a:lvl1pPr>
+              <a:defRPr sz="5400">
+                <a:solidFill>
+                  <a:srgbClr val="EF0810"/>
+                </a:solidFill>
+              </a:defRPr>
+            </a:lvl1pPr>
+          </a:lstStyle>
+          <a:p>
+            <a:r>
+              <a:rPr lang="en-US" dirty="0"/>
+              <a:t>Your Poster Title</a:t>
+            </a:r>
+          </a:p>
+        </p:txBody>
+      </p:sp>
+      <p:pic>
+        <p:nvPicPr>
+          <p:cNvPr id="7" name="Picture 6">
+            <a:extLst>
+              <a:ext uri="{FF2B5EF4-FFF2-40B4-BE49-F238E27FC236}">
+                <a16:creationId xmlns:a16="http://schemas.microsoft.com/office/drawing/2014/main" id="{44C3C38A-106A-CAB6-4BB3-14816080AF2E}"/>
+              </a:ext>
+            </a:extLst>
+          </p:cNvPr>
+          <p:cNvPicPr>
+            <a:picLocks noChangeAspect="1"/>
+          </p:cNvPicPr>
+          <p:nvPr userDrawn="1"/>
+        </p:nvPicPr>
+        <p:blipFill>
+          <a:blip r:embed="rId2">
+            <a:extLst>
+              <a:ext uri="{28A0092B-C50C-407E-A947-70E740481C1C}">
+                <a14:useLocalDpi xmlns:a14="http://schemas.microsoft.com/office/drawing/2010/main" val="0"/>
+              </a:ext>
+            </a:extLst>
+          </a:blip>
+          <a:stretch>
+            <a:fillRect/>
+          </a:stretch>
+        </p:blipFill>
+        <p:spPr>
+          <a:xfrm>
+            <a:off x="18059400" y="382759"/>
+            <a:ext cx="3664148" cy="2487168"/>
+          </a:xfrm>
+          <a:prstGeom prst="rect">
+            <a:avLst/>
+          </a:prstGeom>
+        </p:spPr>
+      </p:pic>
+      <p:sp>
+        <p:nvSpPr>
+          <p:cNvPr id="10" name="Picture Placeholder 9">
+            <a:extLst>
+              <a:ext uri="{FF2B5EF4-FFF2-40B4-BE49-F238E27FC236}">
+                <a16:creationId xmlns:a16="http://schemas.microsoft.com/office/drawing/2014/main" id="{8EE504E2-A099-1953-D8D8-B0B3F1F20CB1}"/>
+              </a:ext>
+            </a:extLst>
+          </p:cNvPr>
+          <p:cNvSpPr>
+            <a:spLocks noGrp="1"/>
+          </p:cNvSpPr>
+          <p:nvPr>
+            <p:ph type="pic" sz="quarter" idx="13" hasCustomPrompt="1"/>
+          </p:nvPr>
+        </p:nvSpPr>
+        <p:spPr>
+          <a:xfrm>
+            <a:off x="222250" y="395645"/>
+            <a:ext cx="3663950" cy="2487613"/>
+          </a:xfrm>
+        </p:spPr>
+        <p:txBody>
+          <a:bodyPr>
+            <a:noAutofit/>
+          </a:bodyPr>
+          <a:lstStyle>
+            <a:lvl1pPr>
+              <a:defRPr sz="5000"/>
+            </a:lvl1pPr>
+          </a:lstStyle>
+          <a:p>
+            <a:r>
+              <a:rPr lang="en-US" dirty="0"/>
+              <a:t>Your logo here</a:t>
+            </a:r>
+          </a:p>
+        </p:txBody>
+      </p:sp>
+      <p:sp>
+        <p:nvSpPr>
+          <p:cNvPr id="19" name="Rectangle 18">
+            <a:extLst>
+              <a:ext uri="{FF2B5EF4-FFF2-40B4-BE49-F238E27FC236}">
+                <a16:creationId xmlns:a16="http://schemas.microsoft.com/office/drawing/2014/main" id="{33752E94-6B3C-6569-C5A7-CF2D5CEA5583}"/>
+              </a:ext>
+            </a:extLst>
+          </p:cNvPr>
+          <p:cNvSpPr/>
+          <p:nvPr userDrawn="1"/>
+        </p:nvSpPr>
+        <p:spPr>
+          <a:xfrm>
+            <a:off x="0" y="3015102"/>
+            <a:ext cx="21945600" cy="1250743"/>
+          </a:xfrm>
+          <a:prstGeom prst="rect">
+            <a:avLst/>
+          </a:prstGeom>
+          <a:solidFill>
+            <a:schemeClr val="tx1">
+              <a:lumMod val="75000"/>
+              <a:lumOff val="25000"/>
+            </a:schemeClr>
+          </a:solidFill>
+          <a:ln>
+            <a:noFill/>
+          </a:ln>
+        </p:spPr>
+        <p:style>
+          <a:lnRef idx="2">
+            <a:schemeClr val="accent1">
+              <a:shade val="50000"/>
+            </a:schemeClr>
+          </a:lnRef>
+          <a:fillRef idx="1">
+            <a:schemeClr val="accent1"/>
+          </a:fillRef>
+          <a:effectRef idx="0">
+            <a:schemeClr val="accent1"/>
+          </a:effectRef>
+          <a:fontRef idx="minor">
+            <a:schemeClr val="lt1"/>
+          </a:fontRef>
+        </p:style>
+        <p:txBody>
+          <a:bodyPr rtlCol="0" anchor="ctr"/>
           <a:lstStyle/>
           <a:p>
-            <a:endParaRPr lang="en-US"/>
-          </a:p>
-        </p:txBody>
-      </p:sp>
-      <p:sp>
-        <p:nvSpPr>
-          <p:cNvPr id="4" name="Slide Number Placeholder 3"/>
-          <p:cNvSpPr>
-            <a:spLocks noGrp="1"/>
-          </p:cNvSpPr>
-          <p:nvPr>
-            <p:ph type="sldNum" sz="quarter" idx="10"/>
-          </p:nvPr>
-        </p:nvSpPr>
-        <p:spPr/>
-        <p:txBody>
-          <a:bodyPr/>
+            <a:pPr algn="ctr"/>
+            <a:endParaRPr lang="en-US" sz="6096">
+              <a:solidFill>
+                <a:srgbClr val="EDE4DA"/>
+              </a:solidFill>
+            </a:endParaRPr>
+          </a:p>
+        </p:txBody>
+      </p:sp>
+      <p:sp>
+        <p:nvSpPr>
+          <p:cNvPr id="20" name="Content Placeholder 2">
+            <a:extLst>
+              <a:ext uri="{FF2B5EF4-FFF2-40B4-BE49-F238E27FC236}">
+                <a16:creationId xmlns:a16="http://schemas.microsoft.com/office/drawing/2014/main" id="{7C37FB52-527A-B57B-40A9-196209AFF378}"/>
+              </a:ext>
+            </a:extLst>
+          </p:cNvPr>
+          <p:cNvSpPr>
+            <a:spLocks noGrp="1"/>
+          </p:cNvSpPr>
+          <p:nvPr>
+            <p:ph idx="16" hasCustomPrompt="1"/>
+          </p:nvPr>
+        </p:nvSpPr>
+        <p:spPr>
+          <a:xfrm>
+            <a:off x="914400" y="5549839"/>
+            <a:ext cx="10028238" cy="6858002"/>
+          </a:xfrm>
+        </p:spPr>
+        <p:txBody>
+          <a:bodyPr>
+            <a:normAutofit/>
+          </a:bodyPr>
+          <a:lstStyle>
+            <a:lvl1pPr marL="0" indent="0">
+              <a:buNone/>
+              <a:defRPr sz="2400">
+                <a:latin typeface="DIN" pitchFamily="50" charset="0"/>
+              </a:defRPr>
+            </a:lvl1pPr>
+            <a:lvl2pPr>
+              <a:defRPr sz="2400">
+                <a:latin typeface="DIN" pitchFamily="50" charset="0"/>
+              </a:defRPr>
+            </a:lvl2pPr>
+            <a:lvl3pPr>
+              <a:defRPr sz="2400">
+                <a:latin typeface="DIN" pitchFamily="50" charset="0"/>
+              </a:defRPr>
+            </a:lvl3pPr>
+            <a:lvl4pPr>
+              <a:defRPr sz="2400">
+                <a:latin typeface="DIN" pitchFamily="50" charset="0"/>
+              </a:defRPr>
+            </a:lvl4pPr>
+            <a:lvl5pPr>
+              <a:defRPr sz="2400">
+                <a:latin typeface="DIN" pitchFamily="50" charset="0"/>
+              </a:defRPr>
+            </a:lvl5pPr>
+          </a:lstStyle>
+          <a:p>
+            <a:pPr lvl="0"/>
+            <a:r>
+              <a:rPr lang="en-US" dirty="0"/>
+              <a:t>Section headings should use DIN Condensed Bold and sections should use DIN font.</a:t>
+            </a:r>
+          </a:p>
+        </p:txBody>
+      </p:sp>
+      <p:sp>
+        <p:nvSpPr>
+          <p:cNvPr id="21" name="Title 1">
+            <a:extLst>
+              <a:ext uri="{FF2B5EF4-FFF2-40B4-BE49-F238E27FC236}">
+                <a16:creationId xmlns:a16="http://schemas.microsoft.com/office/drawing/2014/main" id="{17BFE86B-2240-BFFF-E052-3207359D503F}"/>
+              </a:ext>
+            </a:extLst>
+          </p:cNvPr>
+          <p:cNvSpPr txBox="1">
+            <a:spLocks/>
+          </p:cNvSpPr>
+          <p:nvPr userDrawn="1"/>
+        </p:nvSpPr>
+        <p:spPr>
+          <a:xfrm>
+            <a:off x="609600" y="4548310"/>
+            <a:ext cx="9783097" cy="1250743"/>
+          </a:xfrm>
+          <a:prstGeom prst="rect">
+            <a:avLst/>
+          </a:prstGeom>
+        </p:spPr>
+        <p:txBody>
+          <a:bodyPr vert="horz" lIns="407557" tIns="203779" rIns="407557" bIns="203779" rtlCol="0" anchor="ctr">
+            <a:normAutofit/>
+          </a:bodyPr>
+          <a:lstStyle>
+            <a:lvl1pPr algn="ctr" defTabSz="3105469" rtl="0" eaLnBrk="1" latinLnBrk="0" hangingPunct="1">
+              <a:spcBef>
+                <a:spcPct val="0"/>
+              </a:spcBef>
+              <a:buNone/>
+              <a:defRPr sz="5400" kern="1200">
+                <a:solidFill>
+                  <a:srgbClr val="EF0810"/>
+                </a:solidFill>
+                <a:latin typeface="+mj-lt"/>
+                <a:ea typeface="+mj-ea"/>
+                <a:cs typeface="+mj-cs"/>
+              </a:defRPr>
+            </a:lvl1pPr>
+          </a:lstStyle>
+          <a:p>
+            <a:pPr algn="l"/>
+            <a:r>
+              <a:rPr lang="en-US" sz="3800" u="sng" dirty="0">
+                <a:solidFill>
+                  <a:schemeClr val="tx1"/>
+                </a:solidFill>
+              </a:rPr>
+              <a:t>Section Heading</a:t>
+            </a:r>
+          </a:p>
+        </p:txBody>
+      </p:sp>
+      <p:sp>
+        <p:nvSpPr>
+          <p:cNvPr id="24" name="Title 1">
+            <a:extLst>
+              <a:ext uri="{FF2B5EF4-FFF2-40B4-BE49-F238E27FC236}">
+                <a16:creationId xmlns:a16="http://schemas.microsoft.com/office/drawing/2014/main" id="{355B9DE8-A9ED-348B-D5C5-437C7BD2EA85}"/>
+              </a:ext>
+            </a:extLst>
+          </p:cNvPr>
+          <p:cNvSpPr txBox="1">
+            <a:spLocks/>
+          </p:cNvSpPr>
+          <p:nvPr userDrawn="1"/>
+        </p:nvSpPr>
+        <p:spPr>
+          <a:xfrm>
+            <a:off x="11107660" y="27804867"/>
+            <a:ext cx="9783097" cy="1250743"/>
+          </a:xfrm>
+          <a:prstGeom prst="rect">
+            <a:avLst/>
+          </a:prstGeom>
+        </p:spPr>
+        <p:txBody>
+          <a:bodyPr vert="horz" lIns="407557" tIns="203779" rIns="407557" bIns="203779" rtlCol="0" anchor="ctr">
+            <a:normAutofit/>
+          </a:bodyPr>
+          <a:lstStyle>
+            <a:lvl1pPr algn="ctr" defTabSz="3105469" rtl="0" eaLnBrk="1" latinLnBrk="0" hangingPunct="1">
+              <a:spcBef>
+                <a:spcPct val="0"/>
+              </a:spcBef>
+              <a:buNone/>
+              <a:defRPr sz="5400" kern="1200">
+                <a:solidFill>
+                  <a:srgbClr val="EF0810"/>
+                </a:solidFill>
+                <a:latin typeface="+mj-lt"/>
+                <a:ea typeface="+mj-ea"/>
+                <a:cs typeface="+mj-cs"/>
+              </a:defRPr>
+            </a:lvl1pPr>
+          </a:lstStyle>
+          <a:p>
+            <a:pPr algn="l"/>
+            <a:r>
+              <a:rPr lang="en-US" sz="3800" u="sng" dirty="0">
+                <a:solidFill>
+                  <a:schemeClr val="tx1"/>
+                </a:solidFill>
+              </a:rPr>
+              <a:t>Acknowledgements</a:t>
+            </a:r>
+          </a:p>
+        </p:txBody>
+      </p:sp>
+      <p:pic>
+        <p:nvPicPr>
+          <p:cNvPr id="25" name="Picture 24">
+            <a:extLst>
+              <a:ext uri="{FF2B5EF4-FFF2-40B4-BE49-F238E27FC236}">
+                <a16:creationId xmlns:a16="http://schemas.microsoft.com/office/drawing/2014/main" id="{A45C2241-5291-40AA-4234-31137637998B}"/>
+              </a:ext>
+            </a:extLst>
+          </p:cNvPr>
+          <p:cNvPicPr>
+            <a:picLocks noChangeAspect="1"/>
+          </p:cNvPicPr>
+          <p:nvPr userDrawn="1"/>
+        </p:nvPicPr>
+        <p:blipFill>
+          <a:blip r:embed="rId3">
+            <a:extLst>
+              <a:ext uri="{28A0092B-C50C-407E-A947-70E740481C1C}">
+                <a14:useLocalDpi xmlns:a14="http://schemas.microsoft.com/office/drawing/2010/main" val="0"/>
+              </a:ext>
+            </a:extLst>
+          </a:blip>
+          <a:stretch>
+            <a:fillRect/>
+          </a:stretch>
+        </p:blipFill>
+        <p:spPr>
+          <a:xfrm>
+            <a:off x="19278600" y="30345074"/>
+            <a:ext cx="2177449" cy="2190567"/>
+          </a:xfrm>
+          <a:prstGeom prst="rect">
+            <a:avLst/>
+          </a:prstGeom>
+        </p:spPr>
+      </p:pic>
+      <p:sp>
+        <p:nvSpPr>
+          <p:cNvPr id="26" name="TextBox 25">
+            <a:extLst>
+              <a:ext uri="{FF2B5EF4-FFF2-40B4-BE49-F238E27FC236}">
+                <a16:creationId xmlns:a16="http://schemas.microsoft.com/office/drawing/2014/main" id="{A4F07E94-B540-389A-3D34-8D85D1742C71}"/>
+              </a:ext>
+            </a:extLst>
+          </p:cNvPr>
+          <p:cNvSpPr txBox="1"/>
+          <p:nvPr userDrawn="1"/>
+        </p:nvSpPr>
+        <p:spPr>
+          <a:xfrm>
+            <a:off x="4144962" y="1368000"/>
+            <a:ext cx="13776324" cy="1569660"/>
+          </a:xfrm>
+          <a:prstGeom prst="rect">
+            <a:avLst/>
+          </a:prstGeom>
+          <a:noFill/>
+        </p:spPr>
+        <p:txBody>
+          <a:bodyPr wrap="square" rtlCol="0">
+            <a:spAutoFit/>
+          </a:bodyPr>
           <a:lstStyle/>
           <a:p>
-            <a:fld id="{2C1C7D69-49C7-45F7-A39F-B82EE4DB1BE0}" type="slidenum">
-              <a:rPr lang="en-US" smtClean="0"/>
-              <a:t>1</a:t>
-            </a:fld>
-            <a:endParaRPr lang="en-US"/>
+            <a:pPr algn="ctr"/>
+            <a:r>
+              <a:rPr lang="en-US" sz="2400" dirty="0">
+                <a:latin typeface="DIN" charset="0"/>
+                <a:ea typeface="DIN" charset="0"/>
+                <a:cs typeface="DIN" charset="0"/>
+              </a:rPr>
+              <a:t>Software Fellow Name, Author 2, Author 3</a:t>
+            </a:r>
+          </a:p>
+          <a:p>
+            <a:pPr algn="ctr"/>
+            <a:r>
+              <a:rPr lang="en-US" sz="2400" dirty="0">
+                <a:latin typeface="DIN" charset="0"/>
+                <a:ea typeface="DIN" charset="0"/>
+                <a:cs typeface="DIN" charset="0"/>
+              </a:rPr>
+              <a:t>Author Affiliations</a:t>
+            </a:r>
+          </a:p>
+          <a:p>
+            <a:pPr algn="ctr"/>
+            <a:endParaRPr lang="en-US" sz="2400" dirty="0">
+              <a:latin typeface="DIN" charset="0"/>
+              <a:ea typeface="DIN" charset="0"/>
+              <a:cs typeface="DIN" charset="0"/>
+            </a:endParaRPr>
+          </a:p>
+          <a:p>
+            <a:pPr algn="ctr"/>
+            <a:r>
+              <a:rPr lang="en-US" sz="2400" b="1" dirty="0">
+                <a:latin typeface="DIN" charset="0"/>
+                <a:ea typeface="DIN" charset="0"/>
+                <a:cs typeface="DIN" charset="0"/>
+              </a:rPr>
+              <a:t>Software Scientist Mentor: Name Here</a:t>
+            </a:r>
+          </a:p>
+        </p:txBody>
+      </p:sp>
+      <p:sp>
+        <p:nvSpPr>
+          <p:cNvPr id="27" name="TextBox 26">
+            <a:extLst>
+              <a:ext uri="{FF2B5EF4-FFF2-40B4-BE49-F238E27FC236}">
+                <a16:creationId xmlns:a16="http://schemas.microsoft.com/office/drawing/2014/main" id="{3A80B4A3-4C45-D0AD-1D74-E17BDB383A34}"/>
+              </a:ext>
+            </a:extLst>
+          </p:cNvPr>
+          <p:cNvSpPr txBox="1"/>
+          <p:nvPr userDrawn="1"/>
+        </p:nvSpPr>
+        <p:spPr>
+          <a:xfrm>
+            <a:off x="11442622" y="28732064"/>
+            <a:ext cx="9448135" cy="2818336"/>
+          </a:xfrm>
+          <a:prstGeom prst="rect">
+            <a:avLst/>
+          </a:prstGeom>
+          <a:noFill/>
+        </p:spPr>
+        <p:txBody>
+          <a:bodyPr wrap="square" rtlCol="0">
+            <a:spAutoFit/>
+          </a:bodyPr>
+          <a:lstStyle/>
+          <a:p>
+            <a:pPr marL="0" marR="0" lvl="0" indent="0" algn="l" defTabSz="2910774" rtl="0" eaLnBrk="1" fontAlgn="auto" latinLnBrk="0" hangingPunct="1">
+              <a:lnSpc>
+                <a:spcPct val="100000"/>
+              </a:lnSpc>
+              <a:spcBef>
+                <a:spcPts val="0"/>
+              </a:spcBef>
+              <a:spcAft>
+                <a:spcPts val="0"/>
+              </a:spcAft>
+              <a:buClrTx/>
+              <a:buSzTx/>
+              <a:buFontTx/>
+              <a:buNone/>
+              <a:tabLst/>
+              <a:defRPr/>
+            </a:pPr>
+            <a:r>
+              <a:rPr lang="en-US" sz="2400" dirty="0">
+                <a:latin typeface="DIN" charset="0"/>
+                <a:ea typeface="DIN" charset="0"/>
+                <a:cs typeface="DIN" charset="0"/>
+              </a:rPr>
+              <a:t>Software Fellow Name was supported by a fellowship from The Molecular Sciences Software Institute under NSF grant CHE-2136142.</a:t>
+            </a:r>
+          </a:p>
+          <a:p>
+            <a:pPr marL="0" marR="0" lvl="0" indent="0" algn="l" defTabSz="2910774" rtl="0" eaLnBrk="1" fontAlgn="auto" latinLnBrk="0" hangingPunct="1">
+              <a:lnSpc>
+                <a:spcPct val="100000"/>
+              </a:lnSpc>
+              <a:spcBef>
+                <a:spcPts val="0"/>
+              </a:spcBef>
+              <a:spcAft>
+                <a:spcPts val="0"/>
+              </a:spcAft>
+              <a:buClrTx/>
+              <a:buSzTx/>
+              <a:buFontTx/>
+              <a:buNone/>
+              <a:tabLst/>
+              <a:defRPr/>
+            </a:pPr>
+            <a:endParaRPr lang="en-US" sz="2400" dirty="0">
+              <a:latin typeface="DIN" charset="0"/>
+              <a:ea typeface="DIN" charset="0"/>
+              <a:cs typeface="DIN" charset="0"/>
+            </a:endParaRPr>
+          </a:p>
+          <a:p>
+            <a:pPr marL="0" marR="0" lvl="0" indent="0" algn="l" defTabSz="2910774" rtl="0" eaLnBrk="1" fontAlgn="auto" latinLnBrk="0" hangingPunct="1">
+              <a:lnSpc>
+                <a:spcPct val="100000"/>
+              </a:lnSpc>
+              <a:spcBef>
+                <a:spcPts val="0"/>
+              </a:spcBef>
+              <a:spcAft>
+                <a:spcPts val="0"/>
+              </a:spcAft>
+              <a:buClrTx/>
+              <a:buSzTx/>
+              <a:buFontTx/>
+              <a:buNone/>
+              <a:tabLst/>
+              <a:defRPr/>
+            </a:pPr>
+            <a:r>
+              <a:rPr lang="en-US" sz="2400" dirty="0">
+                <a:latin typeface="DIN" charset="0"/>
+                <a:ea typeface="DIN" charset="0"/>
+                <a:cs typeface="DIN" charset="0"/>
+              </a:rPr>
+              <a:t>**other funding acknowledgements**</a:t>
+            </a:r>
+          </a:p>
+          <a:p>
+            <a:endParaRPr lang="en-US" dirty="0"/>
           </a:p>
         </p:txBody>
       </p:sp>
     </p:spTree>
     <p:extLst>
       <p:ext uri="{BB962C8B-B14F-4D97-AF65-F5344CB8AC3E}">
-        <p14:creationId xmlns:p14="http://schemas.microsoft.com/office/powerpoint/2010/main" val="3336637227"/>
+        <p14:creationId xmlns:p14="http://schemas.microsoft.com/office/powerpoint/2010/main" val="1868728341"/>
       </p:ext>
     </p:extLst>
   </p:cSld>
   <p:clrMapOvr>
     <a:masterClrMapping/>
   </p:clrMapOvr>
-</p:notes>
-</file>
-
-<file path=ppt/slideLayouts/slideLayout1.xml><?xml version="1.0" encoding="utf-8"?>
-<p:sldLayout xmlns:a="http://schemas.openxmlformats.org/drawingml/2006/main" xmlns:r="http://schemas.openxmlformats.org/officeDocument/2006/relationships" xmlns:p="http://schemas.openxmlformats.org/presentationml/2006/main" type="title" preserve="1">
-  <p:cSld name="Title Slide">
-    <p:spTree>
-      <p:nvGrpSpPr>
-        <p:cNvPr id="1" name=""/>
-        <p:cNvGrpSpPr/>
-        <p:nvPr/>
-      </p:nvGrpSpPr>
-      <p:grpSpPr>
-        <a:xfrm>
-          <a:off x="0" y="0"/>
-          <a:ext cx="0" cy="0"/>
-          <a:chOff x="0" y="0"/>
-          <a:chExt cx="0" cy="0"/>
-        </a:xfrm>
-      </p:grpSpPr>
-      <p:sp>
-        <p:nvSpPr>
-          <p:cNvPr id="2" name="Title 1"/>
-          <p:cNvSpPr>
-            <a:spLocks noGrp="1"/>
-          </p:cNvSpPr>
-          <p:nvPr>
-            <p:ph type="ctrTitle"/>
-          </p:nvPr>
-        </p:nvSpPr>
-        <p:spPr>
-          <a:xfrm>
-            <a:off x="1645920" y="10226044"/>
-            <a:ext cx="18653760" cy="7056120"/>
-          </a:xfrm>
-        </p:spPr>
-        <p:txBody>
-          <a:bodyPr/>
-          <a:lstStyle/>
-          <a:p>
-            <a:r>
-              <a:rPr lang="en-US" smtClean="0"/>
-              <a:t>Click to edit Master title style</a:t>
-            </a:r>
-            <a:endParaRPr lang="en-US"/>
-          </a:p>
-        </p:txBody>
-      </p:sp>
-      <p:sp>
-        <p:nvSpPr>
-          <p:cNvPr id="3" name="Subtitle 2"/>
-          <p:cNvSpPr>
-            <a:spLocks noGrp="1"/>
-          </p:cNvSpPr>
-          <p:nvPr>
-            <p:ph type="subTitle" idx="1"/>
-          </p:nvPr>
-        </p:nvSpPr>
-        <p:spPr>
-          <a:xfrm>
-            <a:off x="3291840" y="18653760"/>
-            <a:ext cx="15361920" cy="8412480"/>
-          </a:xfrm>
-        </p:spPr>
-        <p:txBody>
-          <a:bodyPr/>
-          <a:lstStyle>
-            <a:lvl1pPr marL="0" indent="0" algn="ctr">
-              <a:buNone/>
-              <a:defRPr>
-                <a:solidFill>
-                  <a:schemeClr val="tx1">
-                    <a:tint val="75000"/>
-                  </a:schemeClr>
-                </a:solidFill>
-              </a:defRPr>
-            </a:lvl1pPr>
-            <a:lvl2pPr marL="1552735" indent="0" algn="ctr">
-              <a:buNone/>
-              <a:defRPr>
-                <a:solidFill>
-                  <a:schemeClr val="tx1">
-                    <a:tint val="75000"/>
-                  </a:schemeClr>
-                </a:solidFill>
-              </a:defRPr>
-            </a:lvl2pPr>
-            <a:lvl3pPr marL="3105469" indent="0" algn="ctr">
-              <a:buNone/>
-              <a:defRPr>
-                <a:solidFill>
-                  <a:schemeClr val="tx1">
-                    <a:tint val="75000"/>
-                  </a:schemeClr>
-                </a:solidFill>
-              </a:defRPr>
-            </a:lvl3pPr>
-            <a:lvl4pPr marL="4658204" indent="0" algn="ctr">
-              <a:buNone/>
-              <a:defRPr>
-                <a:solidFill>
-                  <a:schemeClr val="tx1">
-                    <a:tint val="75000"/>
-                  </a:schemeClr>
-                </a:solidFill>
-              </a:defRPr>
-            </a:lvl4pPr>
-            <a:lvl5pPr marL="6210939" indent="0" algn="ctr">
-              <a:buNone/>
-              <a:defRPr>
-                <a:solidFill>
-                  <a:schemeClr val="tx1">
-                    <a:tint val="75000"/>
-                  </a:schemeClr>
-                </a:solidFill>
-              </a:defRPr>
-            </a:lvl5pPr>
-            <a:lvl6pPr marL="7763674" indent="0" algn="ctr">
-              <a:buNone/>
-              <a:defRPr>
-                <a:solidFill>
-                  <a:schemeClr val="tx1">
-                    <a:tint val="75000"/>
-                  </a:schemeClr>
-                </a:solidFill>
-              </a:defRPr>
-            </a:lvl6pPr>
-            <a:lvl7pPr marL="9316409" indent="0" algn="ctr">
-              <a:buNone/>
-              <a:defRPr>
-                <a:solidFill>
-                  <a:schemeClr val="tx1">
-                    <a:tint val="75000"/>
-                  </a:schemeClr>
-                </a:solidFill>
-              </a:defRPr>
-            </a:lvl7pPr>
-            <a:lvl8pPr marL="10869143" indent="0" algn="ctr">
-              <a:buNone/>
-              <a:defRPr>
-                <a:solidFill>
-                  <a:schemeClr val="tx1">
-                    <a:tint val="75000"/>
-                  </a:schemeClr>
-                </a:solidFill>
-              </a:defRPr>
-            </a:lvl8pPr>
-            <a:lvl9pPr marL="12421878" indent="0" algn="ctr">
-              <a:buNone/>
-              <a:defRPr>
-                <a:solidFill>
-                  <a:schemeClr val="tx1">
-                    <a:tint val="75000"/>
-                  </a:schemeClr>
-                </a:solidFill>
-              </a:defRPr>
-            </a:lvl9pPr>
-          </a:lstStyle>
-          <a:p>
-            <a:r>
-              <a:rPr lang="en-US" smtClean="0"/>
-              <a:t>Click to edit Master subtitle style</a:t>
-            </a:r>
-            <a:endParaRPr lang="en-US"/>
-          </a:p>
-        </p:txBody>
-      </p:sp>
-      <p:sp>
-        <p:nvSpPr>
-          <p:cNvPr id="4" name="Date Placeholder 3"/>
-          <p:cNvSpPr>
-            <a:spLocks noGrp="1"/>
-          </p:cNvSpPr>
-          <p:nvPr>
-            <p:ph type="dt" sz="half" idx="10"/>
-          </p:nvPr>
-        </p:nvSpPr>
-        <p:spPr/>
-        <p:txBody>
-          <a:bodyPr/>
-          <a:lstStyle/>
-          <a:p>
-            <a:fld id="{6E745FD6-2EE0-4B51-BDA4-4F029209A553}" type="datetimeFigureOut">
-              <a:rPr lang="en-US" smtClean="0"/>
-              <a:pPr/>
-              <a:t>2/25/19</a:t>
-            </a:fld>
-            <a:endParaRPr lang="en-US"/>
-          </a:p>
-        </p:txBody>
-      </p:sp>
-      <p:sp>
-        <p:nvSpPr>
-          <p:cNvPr id="5" name="Footer Placeholder 4"/>
-          <p:cNvSpPr>
-            <a:spLocks noGrp="1"/>
-          </p:cNvSpPr>
-          <p:nvPr>
-            <p:ph type="ftr" sz="quarter" idx="11"/>
-          </p:nvPr>
-        </p:nvSpPr>
-        <p:spPr/>
-        <p:txBody>
-          <a:bodyPr/>
-          <a:lstStyle/>
-          <a:p>
-            <a:endParaRPr lang="en-US"/>
-          </a:p>
-        </p:txBody>
-      </p:sp>
-      <p:sp>
-        <p:nvSpPr>
-          <p:cNvPr id="6" name="Slide Number Placeholder 5"/>
-          <p:cNvSpPr>
-            <a:spLocks noGrp="1"/>
-          </p:cNvSpPr>
-          <p:nvPr>
-            <p:ph type="sldNum" sz="quarter" idx="12"/>
-          </p:nvPr>
-        </p:nvSpPr>
-        <p:spPr/>
-        <p:txBody>
-          <a:bodyPr/>
-          <a:lstStyle/>
-          <a:p>
-            <a:fld id="{D982F281-8AC4-424F-9F24-4923750C5E5C}" type="slidenum">
-              <a:rPr lang="en-US" smtClean="0"/>
-              <a:pPr/>
-              <a:t>‹#›</a:t>
-            </a:fld>
-            <a:endParaRPr lang="en-US"/>
-          </a:p>
-        </p:txBody>
-      </p:sp>
-    </p:spTree>
-    <p:extLst>
-      <p:ext uri="{BB962C8B-B14F-4D97-AF65-F5344CB8AC3E}">
-        <p14:creationId xmlns:p14="http://schemas.microsoft.com/office/powerpoint/2010/main" val="978664213"/>
-      </p:ext>
-    </p:extLst>
-  </p:cSld>
-  <p:clrMapOvr>
-    <a:masterClrMapping/>
-  </p:clrMapOvr>
-  <p:timing>
-    <p:tnLst>
-      <p:par>
-        <p:cTn id="1" dur="indefinite" restart="never" nodeType="tmRoot"/>
-      </p:par>
-    </p:tnLst>
-  </p:timing>
 </p:sldLayout>
 </file>
 
@@ -872,10 +1315,9 @@
           <a:lstStyle/>
           <a:p>
             <a:r>
-              <a:rPr lang="en-US" smtClean="0"/>
+              <a:rPr lang="en-US"/>
               <a:t>Click to edit Master title style</a:t>
             </a:r>
-            <a:endParaRPr lang="en-US"/>
           </a:p>
         </p:txBody>
       </p:sp>
@@ -896,38 +1338,37 @@
           <a:p>
             <a:pPr lvl="0"/>
             <a:r>
-              <a:rPr lang="en-US" smtClean="0"/>
+              <a:rPr lang="en-US"/>
               <a:t>Click to edit Master text styles</a:t>
             </a:r>
           </a:p>
           <a:p>
             <a:pPr lvl="1"/>
             <a:r>
-              <a:rPr lang="en-US" smtClean="0"/>
+              <a:rPr lang="en-US"/>
               <a:t>Second level</a:t>
             </a:r>
           </a:p>
           <a:p>
             <a:pPr lvl="2"/>
             <a:r>
-              <a:rPr lang="en-US" smtClean="0"/>
+              <a:rPr lang="en-US"/>
               <a:t>Third level</a:t>
             </a:r>
           </a:p>
           <a:p>
             <a:pPr lvl="3"/>
             <a:r>
-              <a:rPr lang="en-US" smtClean="0"/>
+              <a:rPr lang="en-US"/>
               <a:t>Fourth level</a:t>
             </a:r>
           </a:p>
           <a:p>
             <a:pPr lvl="4"/>
             <a:r>
-              <a:rPr lang="en-US" smtClean="0"/>
+              <a:rPr lang="en-US"/>
               <a:t>Fifth level</a:t>
             </a:r>
-            <a:endParaRPr lang="en-US"/>
           </a:p>
         </p:txBody>
       </p:sp>
@@ -949,7 +1390,7 @@
             <a:fld id="{6E745FD6-2EE0-4B51-BDA4-4F029209A553}" type="datetimeFigureOut">
               <a:rPr lang="en-US" smtClean="0"/>
               <a:pPr/>
-              <a:t>2/25/19</a:t>
+              <a:t>6/5/2023</a:t>
             </a:fld>
             <a:endParaRPr lang="en-US"/>
           </a:p>
@@ -1049,10 +1490,9 @@
           <a:lstStyle/>
           <a:p>
             <a:r>
-              <a:rPr lang="en-US" smtClean="0"/>
+              <a:rPr lang="en-US"/>
               <a:t>Click to edit Master title style</a:t>
             </a:r>
-            <a:endParaRPr lang="en-US"/>
           </a:p>
         </p:txBody>
       </p:sp>
@@ -1078,38 +1518,37 @@
           <a:p>
             <a:pPr lvl="0"/>
             <a:r>
-              <a:rPr lang="en-US" smtClean="0"/>
+              <a:rPr lang="en-US"/>
               <a:t>Click to edit Master text styles</a:t>
             </a:r>
           </a:p>
           <a:p>
             <a:pPr lvl="1"/>
             <a:r>
-              <a:rPr lang="en-US" smtClean="0"/>
+              <a:rPr lang="en-US"/>
               <a:t>Second level</a:t>
             </a:r>
           </a:p>
           <a:p>
             <a:pPr lvl="2"/>
             <a:r>
-              <a:rPr lang="en-US" smtClean="0"/>
+              <a:rPr lang="en-US"/>
               <a:t>Third level</a:t>
             </a:r>
           </a:p>
           <a:p>
             <a:pPr lvl="3"/>
             <a:r>
-              <a:rPr lang="en-US" smtClean="0"/>
+              <a:rPr lang="en-US"/>
               <a:t>Fourth level</a:t>
             </a:r>
           </a:p>
           <a:p>
             <a:pPr lvl="4"/>
             <a:r>
-              <a:rPr lang="en-US" smtClean="0"/>
+              <a:rPr lang="en-US"/>
               <a:t>Fifth level</a:t>
             </a:r>
-            <a:endParaRPr lang="en-US"/>
           </a:p>
         </p:txBody>
       </p:sp>
@@ -1131,7 +1570,7 @@
             <a:fld id="{6E745FD6-2EE0-4B51-BDA4-4F029209A553}" type="datetimeFigureOut">
               <a:rPr lang="en-US" smtClean="0"/>
               <a:pPr/>
-              <a:t>2/25/19</a:t>
+              <a:t>6/5/2023</a:t>
             </a:fld>
             <a:endParaRPr lang="en-US"/>
           </a:p>
@@ -1194,8 +1633,8 @@
 </file>
 
 <file path=ppt/slideLayouts/slideLayout2.xml><?xml version="1.0" encoding="utf-8"?>
-<p:sldLayout xmlns:a="http://schemas.openxmlformats.org/drawingml/2006/main" xmlns:r="http://schemas.openxmlformats.org/officeDocument/2006/relationships" xmlns:p="http://schemas.openxmlformats.org/presentationml/2006/main" type="obj" preserve="1">
-  <p:cSld name="Title and Content">
+<p:sldLayout xmlns:a="http://schemas.openxmlformats.org/drawingml/2006/main" xmlns:r="http://schemas.openxmlformats.org/officeDocument/2006/relationships" xmlns:p="http://schemas.openxmlformats.org/presentationml/2006/main" type="title" preserve="1">
+  <p:cSld name="Title Slide">
     <p:spTree>
       <p:nvGrpSpPr>
         <p:cNvPr id="1" name=""/>
@@ -1217,71 +1656,141 @@
             <a:spLocks noGrp="1"/>
           </p:cNvSpPr>
           <p:nvPr>
-            <p:ph type="title"/>
-          </p:nvPr>
-        </p:nvSpPr>
-        <p:spPr/>
+            <p:ph type="ctrTitle"/>
+          </p:nvPr>
+        </p:nvSpPr>
+        <p:spPr>
+          <a:xfrm>
+            <a:off x="1645920" y="10226044"/>
+            <a:ext cx="18653760" cy="7056120"/>
+          </a:xfrm>
+        </p:spPr>
         <p:txBody>
           <a:bodyPr/>
           <a:lstStyle/>
           <a:p>
             <a:r>
-              <a:rPr lang="en-US" smtClean="0"/>
+              <a:rPr lang="en-US"/>
               <a:t>Click to edit Master title style</a:t>
             </a:r>
-            <a:endParaRPr lang="en-US"/>
-          </a:p>
-        </p:txBody>
-      </p:sp>
-      <p:sp>
-        <p:nvSpPr>
-          <p:cNvPr id="3" name="Content Placeholder 2"/>
-          <p:cNvSpPr>
-            <a:spLocks noGrp="1"/>
-          </p:cNvSpPr>
-          <p:nvPr>
-            <p:ph idx="1"/>
-          </p:nvPr>
-        </p:nvSpPr>
-        <p:spPr/>
+          </a:p>
+        </p:txBody>
+      </p:sp>
+      <p:sp>
+        <p:nvSpPr>
+          <p:cNvPr id="3" name="Subtitle 2"/>
+          <p:cNvSpPr>
+            <a:spLocks noGrp="1"/>
+          </p:cNvSpPr>
+          <p:nvPr>
+            <p:ph type="subTitle" idx="1"/>
+          </p:nvPr>
+        </p:nvSpPr>
+        <p:spPr>
+          <a:xfrm>
+            <a:off x="3291840" y="18653760"/>
+            <a:ext cx="15361920" cy="8412480"/>
+          </a:xfrm>
+        </p:spPr>
         <p:txBody>
           <a:bodyPr/>
-          <a:lstStyle/>
-          <a:p>
-            <a:pPr lvl="0"/>
-            <a:r>
-              <a:rPr lang="en-US" smtClean="0"/>
-              <a:t>Click to edit Master text styles</a:t>
-            </a:r>
-          </a:p>
-          <a:p>
-            <a:pPr lvl="1"/>
-            <a:r>
-              <a:rPr lang="en-US" smtClean="0"/>
-              <a:t>Second level</a:t>
-            </a:r>
-          </a:p>
-          <a:p>
-            <a:pPr lvl="2"/>
-            <a:r>
-              <a:rPr lang="en-US" smtClean="0"/>
-              <a:t>Third level</a:t>
-            </a:r>
-          </a:p>
-          <a:p>
-            <a:pPr lvl="3"/>
-            <a:r>
-              <a:rPr lang="en-US" smtClean="0"/>
-              <a:t>Fourth level</a:t>
-            </a:r>
-          </a:p>
-          <a:p>
-            <a:pPr lvl="4"/>
-            <a:r>
-              <a:rPr lang="en-US" smtClean="0"/>
-              <a:t>Fifth level</a:t>
-            </a:r>
-            <a:endParaRPr lang="en-US"/>
+          <a:lstStyle>
+            <a:lvl1pPr marL="0" indent="0" algn="ctr">
+              <a:buNone/>
+              <a:defRPr>
+                <a:solidFill>
+                  <a:schemeClr val="tx1">
+                    <a:tint val="75000"/>
+                  </a:schemeClr>
+                </a:solidFill>
+              </a:defRPr>
+            </a:lvl1pPr>
+            <a:lvl2pPr marL="1552735" indent="0" algn="ctr">
+              <a:buNone/>
+              <a:defRPr>
+                <a:solidFill>
+                  <a:schemeClr val="tx1">
+                    <a:tint val="75000"/>
+                  </a:schemeClr>
+                </a:solidFill>
+              </a:defRPr>
+            </a:lvl2pPr>
+            <a:lvl3pPr marL="3105469" indent="0" algn="ctr">
+              <a:buNone/>
+              <a:defRPr>
+                <a:solidFill>
+                  <a:schemeClr val="tx1">
+                    <a:tint val="75000"/>
+                  </a:schemeClr>
+                </a:solidFill>
+              </a:defRPr>
+            </a:lvl3pPr>
+            <a:lvl4pPr marL="4658204" indent="0" algn="ctr">
+              <a:buNone/>
+              <a:defRPr>
+                <a:solidFill>
+                  <a:schemeClr val="tx1">
+                    <a:tint val="75000"/>
+                  </a:schemeClr>
+                </a:solidFill>
+              </a:defRPr>
+            </a:lvl4pPr>
+            <a:lvl5pPr marL="6210939" indent="0" algn="ctr">
+              <a:buNone/>
+              <a:defRPr>
+                <a:solidFill>
+                  <a:schemeClr val="tx1">
+                    <a:tint val="75000"/>
+                  </a:schemeClr>
+                </a:solidFill>
+              </a:defRPr>
+            </a:lvl5pPr>
+            <a:lvl6pPr marL="7763674" indent="0" algn="ctr">
+              <a:buNone/>
+              <a:defRPr>
+                <a:solidFill>
+                  <a:schemeClr val="tx1">
+                    <a:tint val="75000"/>
+                  </a:schemeClr>
+                </a:solidFill>
+              </a:defRPr>
+            </a:lvl6pPr>
+            <a:lvl7pPr marL="9316409" indent="0" algn="ctr">
+              <a:buNone/>
+              <a:defRPr>
+                <a:solidFill>
+                  <a:schemeClr val="tx1">
+                    <a:tint val="75000"/>
+                  </a:schemeClr>
+                </a:solidFill>
+              </a:defRPr>
+            </a:lvl7pPr>
+            <a:lvl8pPr marL="10869143" indent="0" algn="ctr">
+              <a:buNone/>
+              <a:defRPr>
+                <a:solidFill>
+                  <a:schemeClr val="tx1">
+                    <a:tint val="75000"/>
+                  </a:schemeClr>
+                </a:solidFill>
+              </a:defRPr>
+            </a:lvl8pPr>
+            <a:lvl9pPr marL="12421878" indent="0" algn="ctr">
+              <a:buNone/>
+              <a:defRPr>
+                <a:solidFill>
+                  <a:schemeClr val="tx1">
+                    <a:tint val="75000"/>
+                  </a:schemeClr>
+                </a:solidFill>
+              </a:defRPr>
+            </a:lvl9pPr>
+          </a:lstStyle>
+          <a:p>
+            <a:r>
+              <a:rPr lang="en-US"/>
+              <a:t>Click to edit Master subtitle style</a:t>
+            </a:r>
           </a:p>
         </p:txBody>
       </p:sp>
@@ -1303,7 +1812,7 @@
             <a:fld id="{6E745FD6-2EE0-4B51-BDA4-4F029209A553}" type="datetimeFigureOut">
               <a:rPr lang="en-US" smtClean="0"/>
               <a:pPr/>
-              <a:t>2/25/19</a:t>
+              <a:t>6/5/2023</a:t>
             </a:fld>
             <a:endParaRPr lang="en-US"/>
           </a:p>
@@ -1355,7 +1864,7 @@
     </p:spTree>
     <p:extLst>
       <p:ext uri="{BB962C8B-B14F-4D97-AF65-F5344CB8AC3E}">
-        <p14:creationId xmlns:p14="http://schemas.microsoft.com/office/powerpoint/2010/main" val="1868728341"/>
+        <p14:creationId xmlns:p14="http://schemas.microsoft.com/office/powerpoint/2010/main" val="978664213"/>
       </p:ext>
     </p:extLst>
   </p:cSld>
@@ -1407,10 +1916,9 @@
           </a:lstStyle>
           <a:p>
             <a:r>
-              <a:rPr lang="en-US" smtClean="0"/>
+              <a:rPr lang="en-US"/>
               <a:t>Click to edit Master title style</a:t>
             </a:r>
-            <a:endParaRPr lang="en-US"/>
           </a:p>
         </p:txBody>
       </p:sp>
@@ -1527,7 +2035,7 @@
           <a:p>
             <a:pPr lvl="0"/>
             <a:r>
-              <a:rPr lang="en-US" smtClean="0"/>
+              <a:rPr lang="en-US"/>
               <a:t>Click to edit Master text styles</a:t>
             </a:r>
           </a:p>
@@ -1551,7 +2059,7 @@
             <a:fld id="{6E745FD6-2EE0-4B51-BDA4-4F029209A553}" type="datetimeFigureOut">
               <a:rPr lang="en-US" smtClean="0"/>
               <a:pPr/>
-              <a:t>2/25/19</a:t>
+              <a:t>6/5/2023</a:t>
             </a:fld>
             <a:endParaRPr lang="en-US"/>
           </a:p>
@@ -1646,10 +2154,9 @@
           <a:lstStyle/>
           <a:p>
             <a:r>
-              <a:rPr lang="en-US" smtClean="0"/>
+              <a:rPr lang="en-US"/>
               <a:t>Click to edit Master title style</a:t>
             </a:r>
-            <a:endParaRPr lang="en-US"/>
           </a:p>
         </p:txBody>
       </p:sp>
@@ -1703,38 +2210,37 @@
           <a:p>
             <a:pPr lvl="0"/>
             <a:r>
-              <a:rPr lang="en-US" smtClean="0"/>
+              <a:rPr lang="en-US"/>
               <a:t>Click to edit Master text styles</a:t>
             </a:r>
           </a:p>
           <a:p>
             <a:pPr lvl="1"/>
             <a:r>
-              <a:rPr lang="en-US" smtClean="0"/>
+              <a:rPr lang="en-US"/>
               <a:t>Second level</a:t>
             </a:r>
           </a:p>
           <a:p>
             <a:pPr lvl="2"/>
             <a:r>
-              <a:rPr lang="en-US" smtClean="0"/>
+              <a:rPr lang="en-US"/>
               <a:t>Third level</a:t>
             </a:r>
           </a:p>
           <a:p>
             <a:pPr lvl="3"/>
             <a:r>
-              <a:rPr lang="en-US" smtClean="0"/>
+              <a:rPr lang="en-US"/>
               <a:t>Fourth level</a:t>
             </a:r>
           </a:p>
           <a:p>
             <a:pPr lvl="4"/>
             <a:r>
-              <a:rPr lang="en-US" smtClean="0"/>
+              <a:rPr lang="en-US"/>
               <a:t>Fifth level</a:t>
             </a:r>
-            <a:endParaRPr lang="en-US"/>
           </a:p>
         </p:txBody>
       </p:sp>
@@ -1788,38 +2294,37 @@
           <a:p>
             <a:pPr lvl="0"/>
             <a:r>
-              <a:rPr lang="en-US" smtClean="0"/>
+              <a:rPr lang="en-US"/>
               <a:t>Click to edit Master text styles</a:t>
             </a:r>
           </a:p>
           <a:p>
             <a:pPr lvl="1"/>
             <a:r>
-              <a:rPr lang="en-US" smtClean="0"/>
+              <a:rPr lang="en-US"/>
               <a:t>Second level</a:t>
             </a:r>
           </a:p>
           <a:p>
             <a:pPr lvl="2"/>
             <a:r>
-              <a:rPr lang="en-US" smtClean="0"/>
+              <a:rPr lang="en-US"/>
               <a:t>Third level</a:t>
             </a:r>
           </a:p>
           <a:p>
             <a:pPr lvl="3"/>
             <a:r>
-              <a:rPr lang="en-US" smtClean="0"/>
+              <a:rPr lang="en-US"/>
               <a:t>Fourth level</a:t>
             </a:r>
           </a:p>
           <a:p>
             <a:pPr lvl="4"/>
             <a:r>
-              <a:rPr lang="en-US" smtClean="0"/>
+              <a:rPr lang="en-US"/>
               <a:t>Fifth level</a:t>
             </a:r>
-            <a:endParaRPr lang="en-US"/>
           </a:p>
         </p:txBody>
       </p:sp>
@@ -1841,7 +2346,7 @@
             <a:fld id="{6E745FD6-2EE0-4B51-BDA4-4F029209A553}" type="datetimeFigureOut">
               <a:rPr lang="en-US" smtClean="0"/>
               <a:pPr/>
-              <a:t>2/25/19</a:t>
+              <a:t>6/5/2023</a:t>
             </a:fld>
             <a:endParaRPr lang="en-US"/>
           </a:p>
@@ -1945,10 +2450,9 @@
           </a:lstStyle>
           <a:p>
             <a:r>
-              <a:rPr lang="en-US" smtClean="0"/>
+              <a:rPr lang="en-US"/>
               <a:t>Click to edit Master title style</a:t>
             </a:r>
-            <a:endParaRPr lang="en-US"/>
           </a:p>
         </p:txBody>
       </p:sp>
@@ -2011,7 +2515,7 @@
           <a:p>
             <a:pPr lvl="0"/>
             <a:r>
-              <a:rPr lang="en-US" smtClean="0"/>
+              <a:rPr lang="en-US"/>
               <a:t>Click to edit Master text styles</a:t>
             </a:r>
           </a:p>
@@ -2067,38 +2571,37 @@
           <a:p>
             <a:pPr lvl="0"/>
             <a:r>
-              <a:rPr lang="en-US" smtClean="0"/>
+              <a:rPr lang="en-US"/>
               <a:t>Click to edit Master text styles</a:t>
             </a:r>
           </a:p>
           <a:p>
             <a:pPr lvl="1"/>
             <a:r>
-              <a:rPr lang="en-US" smtClean="0"/>
+              <a:rPr lang="en-US"/>
               <a:t>Second level</a:t>
             </a:r>
           </a:p>
           <a:p>
             <a:pPr lvl="2"/>
             <a:r>
-              <a:rPr lang="en-US" smtClean="0"/>
+              <a:rPr lang="en-US"/>
               <a:t>Third level</a:t>
             </a:r>
           </a:p>
           <a:p>
             <a:pPr lvl="3"/>
             <a:r>
-              <a:rPr lang="en-US" smtClean="0"/>
+              <a:rPr lang="en-US"/>
               <a:t>Fourth level</a:t>
             </a:r>
           </a:p>
           <a:p>
             <a:pPr lvl="4"/>
             <a:r>
-              <a:rPr lang="en-US" smtClean="0"/>
+              <a:rPr lang="en-US"/>
               <a:t>Fifth level</a:t>
             </a:r>
-            <a:endParaRPr lang="en-US"/>
           </a:p>
         </p:txBody>
       </p:sp>
@@ -2161,7 +2664,7 @@
           <a:p>
             <a:pPr lvl="0"/>
             <a:r>
-              <a:rPr lang="en-US" smtClean="0"/>
+              <a:rPr lang="en-US"/>
               <a:t>Click to edit Master text styles</a:t>
             </a:r>
           </a:p>
@@ -2217,38 +2720,37 @@
           <a:p>
             <a:pPr lvl="0"/>
             <a:r>
-              <a:rPr lang="en-US" smtClean="0"/>
+              <a:rPr lang="en-US"/>
               <a:t>Click to edit Master text styles</a:t>
             </a:r>
           </a:p>
           <a:p>
             <a:pPr lvl="1"/>
             <a:r>
-              <a:rPr lang="en-US" smtClean="0"/>
+              <a:rPr lang="en-US"/>
               <a:t>Second level</a:t>
             </a:r>
           </a:p>
           <a:p>
             <a:pPr lvl="2"/>
             <a:r>
-              <a:rPr lang="en-US" smtClean="0"/>
+              <a:rPr lang="en-US"/>
               <a:t>Third level</a:t>
             </a:r>
           </a:p>
           <a:p>
             <a:pPr lvl="3"/>
             <a:r>
-              <a:rPr lang="en-US" smtClean="0"/>
+              <a:rPr lang="en-US"/>
               <a:t>Fourth level</a:t>
             </a:r>
           </a:p>
           <a:p>
             <a:pPr lvl="4"/>
             <a:r>
-              <a:rPr lang="en-US" smtClean="0"/>
+              <a:rPr lang="en-US"/>
               <a:t>Fifth level</a:t>
             </a:r>
-            <a:endParaRPr lang="en-US"/>
           </a:p>
         </p:txBody>
       </p:sp>
@@ -2270,7 +2772,7 @@
             <a:fld id="{6E745FD6-2EE0-4B51-BDA4-4F029209A553}" type="datetimeFigureOut">
               <a:rPr lang="en-US" smtClean="0"/>
               <a:pPr/>
-              <a:t>2/25/19</a:t>
+              <a:t>6/5/2023</a:t>
             </a:fld>
             <a:endParaRPr lang="en-US"/>
           </a:p>
@@ -2365,10 +2867,9 @@
           <a:lstStyle/>
           <a:p>
             <a:r>
-              <a:rPr lang="en-US" smtClean="0"/>
+              <a:rPr lang="en-US"/>
               <a:t>Click to edit Master title style</a:t>
             </a:r>
-            <a:endParaRPr lang="en-US"/>
           </a:p>
         </p:txBody>
       </p:sp>
@@ -2390,7 +2891,7 @@
             <a:fld id="{6E745FD6-2EE0-4B51-BDA4-4F029209A553}" type="datetimeFigureOut">
               <a:rPr lang="en-US" smtClean="0"/>
               <a:pPr/>
-              <a:t>2/25/19</a:t>
+              <a:t>6/5/2023</a:t>
             </a:fld>
             <a:endParaRPr lang="en-US"/>
           </a:p>
@@ -2487,7 +2988,7 @@
             <a:fld id="{6E745FD6-2EE0-4B51-BDA4-4F029209A553}" type="datetimeFigureOut">
               <a:rPr lang="en-US" smtClean="0"/>
               <a:pPr/>
-              <a:t>2/25/19</a:t>
+              <a:t>6/5/2023</a:t>
             </a:fld>
             <a:endParaRPr lang="en-US"/>
           </a:p>
@@ -2591,10 +3092,9 @@
           </a:lstStyle>
           <a:p>
             <a:r>
-              <a:rPr lang="en-US" smtClean="0"/>
+              <a:rPr lang="en-US"/>
               <a:t>Click to edit Master title style</a:t>
             </a:r>
-            <a:endParaRPr lang="en-US"/>
           </a:p>
         </p:txBody>
       </p:sp>
@@ -2648,38 +3148,37 @@
           <a:p>
             <a:pPr lvl="0"/>
             <a:r>
-              <a:rPr lang="en-US" smtClean="0"/>
+              <a:rPr lang="en-US"/>
               <a:t>Click to edit Master text styles</a:t>
             </a:r>
           </a:p>
           <a:p>
             <a:pPr lvl="1"/>
             <a:r>
-              <a:rPr lang="en-US" smtClean="0"/>
+              <a:rPr lang="en-US"/>
               <a:t>Second level</a:t>
             </a:r>
           </a:p>
           <a:p>
             <a:pPr lvl="2"/>
             <a:r>
-              <a:rPr lang="en-US" smtClean="0"/>
+              <a:rPr lang="en-US"/>
               <a:t>Third level</a:t>
             </a:r>
           </a:p>
           <a:p>
             <a:pPr lvl="3"/>
             <a:r>
-              <a:rPr lang="en-US" smtClean="0"/>
+              <a:rPr lang="en-US"/>
               <a:t>Fourth level</a:t>
             </a:r>
           </a:p>
           <a:p>
             <a:pPr lvl="4"/>
             <a:r>
-              <a:rPr lang="en-US" smtClean="0"/>
+              <a:rPr lang="en-US"/>
               <a:t>Fifth level</a:t>
             </a:r>
-            <a:endParaRPr lang="en-US"/>
           </a:p>
         </p:txBody>
       </p:sp>
@@ -2742,7 +3241,7 @@
           <a:p>
             <a:pPr lvl="0"/>
             <a:r>
-              <a:rPr lang="en-US" smtClean="0"/>
+              <a:rPr lang="en-US"/>
               <a:t>Click to edit Master text styles</a:t>
             </a:r>
           </a:p>
@@ -2766,7 +3265,7 @@
             <a:fld id="{6E745FD6-2EE0-4B51-BDA4-4F029209A553}" type="datetimeFigureOut">
               <a:rPr lang="en-US" smtClean="0"/>
               <a:pPr/>
-              <a:t>2/25/19</a:t>
+              <a:t>6/5/2023</a:t>
             </a:fld>
             <a:endParaRPr lang="en-US"/>
           </a:p>
@@ -2870,10 +3369,9 @@
           </a:lstStyle>
           <a:p>
             <a:r>
-              <a:rPr lang="en-US" smtClean="0"/>
+              <a:rPr lang="en-US"/>
               <a:t>Click to edit Master title style</a:t>
             </a:r>
-            <a:endParaRPr lang="en-US"/>
           </a:p>
         </p:txBody>
       </p:sp>
@@ -2997,7 +3495,7 @@
           <a:p>
             <a:pPr lvl="0"/>
             <a:r>
-              <a:rPr lang="en-US" smtClean="0"/>
+              <a:rPr lang="en-US"/>
               <a:t>Click to edit Master text styles</a:t>
             </a:r>
           </a:p>
@@ -3021,7 +3519,7 @@
             <a:fld id="{6E745FD6-2EE0-4B51-BDA4-4F029209A553}" type="datetimeFigureOut">
               <a:rPr lang="en-US" smtClean="0"/>
               <a:pPr/>
-              <a:t>2/25/19</a:t>
+              <a:t>6/5/2023</a:t>
             </a:fld>
             <a:endParaRPr lang="en-US"/>
           </a:p>
@@ -3131,10 +3629,9 @@
           <a:lstStyle/>
           <a:p>
             <a:r>
-              <a:rPr lang="en-US" smtClean="0"/>
-              <a:t>Click to edit Master title style</a:t>
-            </a:r>
-            <a:endParaRPr lang="en-US"/>
+              <a:rPr lang="en-US" dirty="0"/>
+              <a:t>Slide Title</a:t>
+            </a:r>
           </a:p>
         </p:txBody>
       </p:sp>
@@ -3165,38 +3662,37 @@
           <a:p>
             <a:pPr lvl="0"/>
             <a:r>
-              <a:rPr lang="en-US" smtClean="0"/>
+              <a:rPr lang="en-US"/>
               <a:t>Click to edit Master text styles</a:t>
             </a:r>
           </a:p>
           <a:p>
             <a:pPr lvl="1"/>
             <a:r>
-              <a:rPr lang="en-US" smtClean="0"/>
+              <a:rPr lang="en-US"/>
               <a:t>Second level</a:t>
             </a:r>
           </a:p>
           <a:p>
             <a:pPr lvl="2"/>
             <a:r>
-              <a:rPr lang="en-US" smtClean="0"/>
+              <a:rPr lang="en-US"/>
               <a:t>Third level</a:t>
             </a:r>
           </a:p>
           <a:p>
             <a:pPr lvl="3"/>
             <a:r>
-              <a:rPr lang="en-US" smtClean="0"/>
+              <a:rPr lang="en-US"/>
               <a:t>Fourth level</a:t>
             </a:r>
           </a:p>
           <a:p>
             <a:pPr lvl="4"/>
             <a:r>
-              <a:rPr lang="en-US" smtClean="0"/>
+              <a:rPr lang="en-US"/>
               <a:t>Fifth level</a:t>
             </a:r>
-            <a:endParaRPr lang="en-US"/>
           </a:p>
         </p:txBody>
       </p:sp>
@@ -3236,7 +3732,7 @@
             <a:fld id="{6E745FD6-2EE0-4B51-BDA4-4F029209A553}" type="datetimeFigureOut">
               <a:rPr lang="en-US" smtClean="0"/>
               <a:pPr/>
-              <a:t>2/25/19</a:t>
+              <a:t>6/5/2023</a:t>
             </a:fld>
             <a:endParaRPr lang="en-US"/>
           </a:p>
@@ -3330,8 +3826,8 @@
   </p:cSld>
   <p:clrMap bg1="lt1" tx1="dk1" bg2="lt2" tx2="dk2" accent1="accent1" accent2="accent2" accent3="accent3" accent4="accent4" accent5="accent5" accent6="accent6" hlink="hlink" folHlink="folHlink"/>
   <p:sldLayoutIdLst>
-    <p:sldLayoutId id="2147483649" r:id="rId1"/>
-    <p:sldLayoutId id="2147483650" r:id="rId2"/>
+    <p:sldLayoutId id="2147483650" r:id="rId1"/>
+    <p:sldLayoutId id="2147483649" r:id="rId2"/>
     <p:sldLayoutId id="2147483651" r:id="rId3"/>
     <p:sldLayoutId id="2147483652" r:id="rId4"/>
     <p:sldLayoutId id="2147483653" r:id="rId5"/>
@@ -3614,743 +4110,82 @@
       </p:grpSpPr>
       <p:sp>
         <p:nvSpPr>
-          <p:cNvPr id="6" name="Rectangle 5"/>
-          <p:cNvSpPr/>
-          <p:nvPr/>
-        </p:nvSpPr>
-        <p:spPr>
-          <a:xfrm>
-            <a:off x="33528" y="2010740"/>
-            <a:ext cx="21945600" cy="3231761"/>
-          </a:xfrm>
-          <a:prstGeom prst="rect">
-            <a:avLst/>
-          </a:prstGeom>
-          <a:solidFill>
-            <a:schemeClr val="bg1"/>
-          </a:solidFill>
-          <a:ln>
-            <a:noFill/>
-          </a:ln>
-        </p:spPr>
-        <p:style>
-          <a:lnRef idx="2">
-            <a:schemeClr val="accent1">
-              <a:shade val="50000"/>
-            </a:schemeClr>
-          </a:lnRef>
-          <a:fillRef idx="1">
-            <a:schemeClr val="accent1"/>
-          </a:fillRef>
-          <a:effectRef idx="0">
-            <a:schemeClr val="accent1"/>
-          </a:effectRef>
-          <a:fontRef idx="minor">
-            <a:schemeClr val="lt1"/>
-          </a:fontRef>
-        </p:style>
-        <p:txBody>
-          <a:bodyPr rtlCol="0" anchor="ctr"/>
-          <a:lstStyle/>
-          <a:p>
-            <a:pPr algn="ctr"/>
-            <a:endParaRPr lang="en-US" sz="6096">
-              <a:solidFill>
-                <a:srgbClr val="5C0000"/>
-              </a:solidFill>
-            </a:endParaRPr>
-          </a:p>
-        </p:txBody>
-      </p:sp>
-      <p:sp>
-        <p:nvSpPr>
-          <p:cNvPr id="22" name="Rectangle 21"/>
-          <p:cNvSpPr/>
-          <p:nvPr/>
-        </p:nvSpPr>
-        <p:spPr>
-          <a:xfrm>
-            <a:off x="0" y="3015102"/>
-            <a:ext cx="21945600" cy="1250743"/>
-          </a:xfrm>
-          <a:prstGeom prst="rect">
-            <a:avLst/>
-          </a:prstGeom>
-          <a:solidFill>
-            <a:schemeClr val="tx1">
-              <a:lumMod val="75000"/>
-              <a:lumOff val="25000"/>
-            </a:schemeClr>
-          </a:solidFill>
-          <a:ln>
-            <a:noFill/>
-          </a:ln>
-        </p:spPr>
-        <p:style>
-          <a:lnRef idx="2">
-            <a:schemeClr val="accent1">
-              <a:shade val="50000"/>
-            </a:schemeClr>
-          </a:lnRef>
-          <a:fillRef idx="1">
-            <a:schemeClr val="accent1"/>
-          </a:fillRef>
-          <a:effectRef idx="0">
-            <a:schemeClr val="accent1"/>
-          </a:effectRef>
-          <a:fontRef idx="minor">
-            <a:schemeClr val="lt1"/>
-          </a:fontRef>
-        </p:style>
-        <p:txBody>
-          <a:bodyPr rtlCol="0" anchor="ctr"/>
-          <a:lstStyle/>
-          <a:p>
-            <a:pPr algn="ctr"/>
-            <a:endParaRPr lang="en-US" sz="6096">
-              <a:solidFill>
-                <a:srgbClr val="EDE4DA"/>
-              </a:solidFill>
-            </a:endParaRPr>
-          </a:p>
-        </p:txBody>
-      </p:sp>
-      <p:sp>
-        <p:nvSpPr>
-          <p:cNvPr id="4" name="Rectangle 3"/>
-          <p:cNvSpPr/>
-          <p:nvPr/>
-        </p:nvSpPr>
-        <p:spPr>
-          <a:xfrm>
-            <a:off x="0" y="0"/>
-            <a:ext cx="21945600" cy="32918400"/>
-          </a:xfrm>
-          <a:prstGeom prst="rect">
-            <a:avLst/>
-          </a:prstGeom>
-          <a:noFill/>
-          <a:ln w="101600">
-            <a:solidFill>
-              <a:srgbClr val="404039"/>
-            </a:solidFill>
-          </a:ln>
-        </p:spPr>
-        <p:style>
-          <a:lnRef idx="2">
-            <a:schemeClr val="accent1">
-              <a:shade val="50000"/>
-            </a:schemeClr>
-          </a:lnRef>
-          <a:fillRef idx="1">
-            <a:schemeClr val="accent1"/>
-          </a:fillRef>
-          <a:effectRef idx="0">
-            <a:schemeClr val="accent1"/>
-          </a:effectRef>
-          <a:fontRef idx="minor">
-            <a:schemeClr val="lt1"/>
-          </a:fontRef>
-        </p:style>
-        <p:txBody>
-          <a:bodyPr rtlCol="0" anchor="ctr"/>
-          <a:lstStyle/>
-          <a:p>
-            <a:pPr algn="ctr"/>
-            <a:endParaRPr lang="en-US" sz="6096"/>
-          </a:p>
-        </p:txBody>
-      </p:sp>
-      <p:pic>
-        <p:nvPicPr>
-          <p:cNvPr id="5" name="Picture 4"/>
-          <p:cNvPicPr>
-            <a:picLocks noChangeAspect="1"/>
-          </p:cNvPicPr>
-          <p:nvPr/>
-        </p:nvPicPr>
-        <p:blipFill>
-          <a:blip r:embed="rId3">
+          <p:cNvPr id="4" name="Title 3">
             <a:extLst>
-              <a:ext uri="{28A0092B-C50C-407E-A947-70E740481C1C}">
-                <a14:useLocalDpi xmlns:a14="http://schemas.microsoft.com/office/drawing/2010/main" val="0"/>
+              <a:ext uri="{FF2B5EF4-FFF2-40B4-BE49-F238E27FC236}">
+                <a16:creationId xmlns:a16="http://schemas.microsoft.com/office/drawing/2014/main" id="{9CC5CFC3-8D92-5896-A851-23ED36BD5955}"/>
               </a:ext>
             </a:extLst>
-          </a:blip>
-          <a:stretch>
-            <a:fillRect/>
-          </a:stretch>
-        </p:blipFill>
-        <p:spPr>
-          <a:xfrm>
-            <a:off x="17830800" y="304800"/>
-            <a:ext cx="3664148" cy="2487168"/>
-          </a:xfrm>
-          <a:prstGeom prst="rect">
-            <a:avLst/>
-          </a:prstGeom>
-        </p:spPr>
-      </p:pic>
-      <p:pic>
-        <p:nvPicPr>
-          <p:cNvPr id="7" name="Picture 6"/>
-          <p:cNvPicPr>
-            <a:picLocks noChangeAspect="1"/>
-          </p:cNvPicPr>
-          <p:nvPr/>
-        </p:nvPicPr>
-        <p:blipFill>
-          <a:blip r:embed="rId4">
+          </p:cNvPr>
+          <p:cNvSpPr>
+            <a:spLocks noGrp="1"/>
+          </p:cNvSpPr>
+          <p:nvPr>
+            <p:ph type="title"/>
+          </p:nvPr>
+        </p:nvSpPr>
+        <p:spPr/>
+        <p:txBody>
+          <a:bodyPr/>
+          <a:lstStyle/>
+          <a:p>
+            <a:endParaRPr lang="en-US"/>
+          </a:p>
+        </p:txBody>
+      </p:sp>
+      <p:sp>
+        <p:nvSpPr>
+          <p:cNvPr id="5" name="Picture Placeholder 4">
             <a:extLst>
-              <a:ext uri="{28A0092B-C50C-407E-A947-70E740481C1C}">
-                <a14:useLocalDpi xmlns:a14="http://schemas.microsoft.com/office/drawing/2010/main" val="0"/>
+              <a:ext uri="{FF2B5EF4-FFF2-40B4-BE49-F238E27FC236}">
+                <a16:creationId xmlns:a16="http://schemas.microsoft.com/office/drawing/2014/main" id="{EE2A166A-36A3-DE95-C301-2D00975F576A}"/>
               </a:ext>
             </a:extLst>
-          </a:blip>
-          <a:stretch>
-            <a:fillRect/>
-          </a:stretch>
-        </p:blipFill>
-        <p:spPr>
-          <a:xfrm>
-            <a:off x="19126200" y="30712593"/>
-            <a:ext cx="2177449" cy="2190567"/>
-          </a:xfrm>
-          <a:prstGeom prst="rect">
-            <a:avLst/>
-          </a:prstGeom>
-        </p:spPr>
-      </p:pic>
-      <p:sp>
-        <p:nvSpPr>
-          <p:cNvPr id="2" name="TextBox 1"/>
-          <p:cNvSpPr txBox="1"/>
-          <p:nvPr/>
-        </p:nvSpPr>
-        <p:spPr>
-          <a:xfrm>
-            <a:off x="4114800" y="457200"/>
-            <a:ext cx="13716000" cy="2616101"/>
-          </a:xfrm>
-          <a:prstGeom prst="rect">
-            <a:avLst/>
-          </a:prstGeom>
-          <a:noFill/>
-        </p:spPr>
-        <p:txBody>
-          <a:bodyPr wrap="square" rtlCol="0">
-            <a:spAutoFit/>
-          </a:bodyPr>
+          </p:cNvPr>
+          <p:cNvSpPr>
+            <a:spLocks noGrp="1"/>
+          </p:cNvSpPr>
+          <p:nvPr>
+            <p:ph type="pic" sz="quarter" idx="13"/>
+          </p:nvPr>
+        </p:nvSpPr>
+        <p:spPr/>
+      </p:sp>
+      <p:sp>
+        <p:nvSpPr>
+          <p:cNvPr id="7" name="Content Placeholder 6">
+            <a:extLst>
+              <a:ext uri="{FF2B5EF4-FFF2-40B4-BE49-F238E27FC236}">
+                <a16:creationId xmlns:a16="http://schemas.microsoft.com/office/drawing/2014/main" id="{45CD8C0D-812F-1DB2-60BF-A9305F78120F}"/>
+              </a:ext>
+            </a:extLst>
+          </p:cNvPr>
+          <p:cNvSpPr>
+            <a:spLocks noGrp="1"/>
+          </p:cNvSpPr>
+          <p:nvPr>
+            <p:ph idx="16"/>
+          </p:nvPr>
+        </p:nvSpPr>
+        <p:spPr/>
+        <p:txBody>
+          <a:bodyPr/>
           <a:lstStyle/>
           <a:p>
-            <a:pPr algn="ctr"/>
-            <a:r>
-              <a:rPr lang="en-US" sz="5400" spc="300" dirty="0" smtClean="0">
-                <a:solidFill>
-                  <a:srgbClr val="EF0810"/>
-                </a:solidFill>
-                <a:latin typeface="DIN Condensed" charset="0"/>
-                <a:ea typeface="DIN Condensed" charset="0"/>
-                <a:cs typeface="DIN Condensed" charset="0"/>
-              </a:rPr>
-              <a:t>Software Project Title Software Project Title</a:t>
-            </a:r>
-          </a:p>
-          <a:p>
-            <a:pPr algn="ctr"/>
-            <a:endParaRPr lang="en-US" sz="1400" spc="300" dirty="0">
-              <a:latin typeface="DIN Condensed" charset="0"/>
-              <a:ea typeface="DIN Condensed" charset="0"/>
-              <a:cs typeface="DIN Condensed" charset="0"/>
-            </a:endParaRPr>
-          </a:p>
-          <a:p>
-            <a:pPr algn="ctr"/>
-            <a:r>
-              <a:rPr lang="en-US" sz="2400" dirty="0" smtClean="0">
-                <a:latin typeface="DIN" charset="0"/>
-                <a:ea typeface="DIN" charset="0"/>
-                <a:cs typeface="DIN" charset="0"/>
-              </a:rPr>
-              <a:t>Software Fellow Name, Author 2, Author 3</a:t>
-            </a:r>
-          </a:p>
-          <a:p>
-            <a:pPr algn="ctr"/>
-            <a:r>
-              <a:rPr lang="en-US" sz="2400" dirty="0" smtClean="0">
-                <a:latin typeface="DIN" charset="0"/>
-                <a:ea typeface="DIN" charset="0"/>
-                <a:cs typeface="DIN" charset="0"/>
-              </a:rPr>
-              <a:t>Author Affiliations</a:t>
-            </a:r>
-          </a:p>
-          <a:p>
-            <a:pPr algn="ctr"/>
-            <a:endParaRPr lang="en-US" sz="2400" dirty="0">
-              <a:latin typeface="DIN" charset="0"/>
-              <a:ea typeface="DIN" charset="0"/>
-              <a:cs typeface="DIN" charset="0"/>
-            </a:endParaRPr>
-          </a:p>
-          <a:p>
-            <a:pPr algn="ctr"/>
-            <a:r>
-              <a:rPr lang="en-US" sz="2400" b="1" dirty="0" smtClean="0">
-                <a:latin typeface="DIN" charset="0"/>
-                <a:ea typeface="DIN" charset="0"/>
-                <a:cs typeface="DIN" charset="0"/>
-              </a:rPr>
-              <a:t>Software Scientist Mentor: Name Here</a:t>
-            </a:r>
-          </a:p>
-        </p:txBody>
-      </p:sp>
-      <p:grpSp>
-        <p:nvGrpSpPr>
-          <p:cNvPr id="8" name="Group 7"/>
-          <p:cNvGrpSpPr/>
-          <p:nvPr/>
-        </p:nvGrpSpPr>
-        <p:grpSpPr>
-          <a:xfrm>
-            <a:off x="862988" y="5174159"/>
-            <a:ext cx="9195412" cy="769441"/>
-            <a:chOff x="862988" y="5174159"/>
-            <a:chExt cx="9195412" cy="769441"/>
-          </a:xfrm>
-        </p:grpSpPr>
-        <p:cxnSp>
-          <p:nvCxnSpPr>
-            <p:cNvPr id="10" name="Straight Connector 9"/>
-            <p:cNvCxnSpPr/>
-            <p:nvPr/>
-          </p:nvCxnSpPr>
-          <p:spPr>
-            <a:xfrm>
-              <a:off x="914400" y="5943600"/>
-              <a:ext cx="9144000" cy="0"/>
-            </a:xfrm>
-            <a:prstGeom prst="line">
-              <a:avLst/>
-            </a:prstGeom>
-            <a:ln w="25400"/>
-          </p:spPr>
-          <p:style>
-            <a:lnRef idx="1">
-              <a:schemeClr val="dk1"/>
-            </a:lnRef>
-            <a:fillRef idx="0">
-              <a:schemeClr val="dk1"/>
-            </a:fillRef>
-            <a:effectRef idx="0">
-              <a:schemeClr val="dk1"/>
-            </a:effectRef>
-            <a:fontRef idx="minor">
-              <a:schemeClr val="tx1"/>
-            </a:fontRef>
-          </p:style>
-        </p:cxnSp>
-        <p:sp>
-          <p:nvSpPr>
-            <p:cNvPr id="11" name="TextBox 10"/>
-            <p:cNvSpPr txBox="1"/>
-            <p:nvPr/>
-          </p:nvSpPr>
-          <p:spPr>
-            <a:xfrm>
-              <a:off x="862988" y="5174159"/>
-              <a:ext cx="9195412" cy="769441"/>
-            </a:xfrm>
-            <a:prstGeom prst="rect">
-              <a:avLst/>
-            </a:prstGeom>
-            <a:noFill/>
-          </p:spPr>
-          <p:txBody>
-            <a:bodyPr wrap="square" rtlCol="0">
-              <a:spAutoFit/>
-            </a:bodyPr>
-            <a:lstStyle/>
-            <a:p>
-              <a:r>
-                <a:rPr lang="en-US" sz="4400" spc="300" dirty="0" smtClean="0">
-                  <a:latin typeface="DIN Condensed" charset="0"/>
-                  <a:ea typeface="DIN Condensed" charset="0"/>
-                  <a:cs typeface="DIN Condensed" charset="0"/>
-                </a:rPr>
-                <a:t>Section Title</a:t>
-              </a:r>
-              <a:endParaRPr lang="en-US" sz="4400" spc="300" dirty="0">
-                <a:latin typeface="DIN Condensed" charset="0"/>
-                <a:ea typeface="DIN Condensed" charset="0"/>
-                <a:cs typeface="DIN Condensed" charset="0"/>
-              </a:endParaRPr>
-            </a:p>
-          </p:txBody>
-        </p:sp>
-      </p:grpSp>
-      <p:sp>
-        <p:nvSpPr>
-          <p:cNvPr id="13" name="TextBox 12"/>
-          <p:cNvSpPr txBox="1"/>
-          <p:nvPr/>
-        </p:nvSpPr>
-        <p:spPr>
-          <a:xfrm>
-            <a:off x="914400" y="5943600"/>
-            <a:ext cx="9144000" cy="2246769"/>
-          </a:xfrm>
-          <a:prstGeom prst="rect">
-            <a:avLst/>
-          </a:prstGeom>
-          <a:noFill/>
-        </p:spPr>
-        <p:txBody>
-          <a:bodyPr wrap="square" rtlCol="0">
-            <a:spAutoFit/>
-          </a:bodyPr>
-          <a:lstStyle/>
-          <a:p>
-            <a:r>
-              <a:rPr lang="en-US" sz="2000" dirty="0" smtClean="0">
-                <a:latin typeface="DIN" charset="0"/>
-                <a:ea typeface="DIN" charset="0"/>
-                <a:cs typeface="DIN" charset="0"/>
-              </a:rPr>
-              <a:t>Section text here. Titles should be in DIN Condensed, and section text should be in DIN.</a:t>
-            </a:r>
-          </a:p>
-          <a:p>
-            <a:endParaRPr lang="en-US" sz="2000" dirty="0">
-              <a:latin typeface="DIN" charset="0"/>
-              <a:ea typeface="DIN" charset="0"/>
-              <a:cs typeface="DIN" charset="0"/>
-            </a:endParaRPr>
-          </a:p>
-          <a:p>
-            <a:r>
-              <a:rPr lang="en-US" sz="2000" dirty="0" smtClean="0">
-                <a:latin typeface="DIN" charset="0"/>
-                <a:ea typeface="DIN" charset="0"/>
-                <a:cs typeface="DIN" charset="0"/>
-              </a:rPr>
-              <a:t>Fonts can </a:t>
-            </a:r>
-            <a:r>
-              <a:rPr lang="en-US" sz="2000" dirty="0">
-                <a:latin typeface="DIN" charset="0"/>
-                <a:ea typeface="DIN" charset="0"/>
-                <a:cs typeface="DIN" charset="0"/>
-              </a:rPr>
-              <a:t>be downloaded at </a:t>
-            </a:r>
-            <a:r>
-              <a:rPr lang="en-US" sz="2000" dirty="0">
-                <a:latin typeface="DIN" charset="0"/>
-                <a:ea typeface="DIN" charset="0"/>
-                <a:cs typeface="DIN" charset="0"/>
-                <a:hlinkClick r:id="rId5"/>
-              </a:rPr>
-              <a:t>https://</a:t>
-            </a:r>
-            <a:r>
-              <a:rPr lang="en-US" sz="2000" dirty="0" smtClean="0">
-                <a:latin typeface="DIN" charset="0"/>
-                <a:ea typeface="DIN" charset="0"/>
-                <a:cs typeface="DIN" charset="0"/>
-                <a:hlinkClick r:id="rId5"/>
-              </a:rPr>
-              <a:t>github.com/MolSSI/molssi-branding-guidelines/tree/master/fonts</a:t>
-            </a:r>
-            <a:endParaRPr lang="en-US" sz="2000" dirty="0" smtClean="0">
-              <a:latin typeface="DIN" charset="0"/>
-              <a:ea typeface="DIN" charset="0"/>
-              <a:cs typeface="DIN" charset="0"/>
-            </a:endParaRPr>
-          </a:p>
-          <a:p>
-            <a:endParaRPr lang="en-US" sz="2000" dirty="0" smtClean="0">
-              <a:latin typeface="DIN" charset="0"/>
-              <a:ea typeface="DIN" charset="0"/>
-              <a:cs typeface="DIN" charset="0"/>
-            </a:endParaRPr>
-          </a:p>
-          <a:p>
-            <a:r>
-              <a:rPr lang="en-US" sz="2000" dirty="0" smtClean="0">
-                <a:latin typeface="DIN" charset="0"/>
-                <a:ea typeface="DIN" charset="0"/>
-                <a:cs typeface="DIN" charset="0"/>
-              </a:rPr>
-              <a:t>Text text text text</a:t>
-            </a:r>
-            <a:endParaRPr lang="en-US" sz="2000" dirty="0">
-              <a:latin typeface="DIN" charset="0"/>
-              <a:ea typeface="DIN" charset="0"/>
-              <a:cs typeface="DIN" charset="0"/>
-            </a:endParaRPr>
-          </a:p>
-        </p:txBody>
-      </p:sp>
-      <p:sp>
-        <p:nvSpPr>
-          <p:cNvPr id="14" name="TextBox 13"/>
-          <p:cNvSpPr txBox="1"/>
-          <p:nvPr/>
-        </p:nvSpPr>
-        <p:spPr>
-          <a:xfrm>
-            <a:off x="457200" y="304800"/>
-            <a:ext cx="3810000" cy="2554545"/>
-          </a:xfrm>
-          <a:prstGeom prst="rect">
-            <a:avLst/>
-          </a:prstGeom>
-          <a:solidFill>
-            <a:schemeClr val="tx1"/>
-          </a:solidFill>
-        </p:spPr>
-        <p:txBody>
-          <a:bodyPr wrap="square" rtlCol="0">
-            <a:spAutoFit/>
-          </a:bodyPr>
-          <a:lstStyle/>
-          <a:p>
-            <a:pPr algn="ctr"/>
-            <a:r>
-              <a:rPr lang="en-US" sz="4000" dirty="0" smtClean="0">
-                <a:solidFill>
-                  <a:schemeClr val="bg1"/>
-                </a:solidFill>
-                <a:latin typeface="DIN" charset="0"/>
-                <a:ea typeface="DIN" charset="0"/>
-                <a:cs typeface="DIN" charset="0"/>
-              </a:rPr>
-              <a:t>Place holder </a:t>
-            </a:r>
-            <a:r>
-              <a:rPr lang="mr-IN" sz="4000" dirty="0" smtClean="0">
-                <a:solidFill>
-                  <a:schemeClr val="bg1"/>
-                </a:solidFill>
-                <a:latin typeface="DIN" charset="0"/>
-                <a:ea typeface="DIN" charset="0"/>
-                <a:cs typeface="DIN" charset="0"/>
-              </a:rPr>
-              <a:t>–</a:t>
-            </a:r>
-            <a:r>
-              <a:rPr lang="en-US" sz="4000" dirty="0" smtClean="0">
-                <a:solidFill>
-                  <a:schemeClr val="bg1"/>
-                </a:solidFill>
-                <a:latin typeface="DIN" charset="0"/>
-                <a:ea typeface="DIN" charset="0"/>
-                <a:cs typeface="DIN" charset="0"/>
-              </a:rPr>
-              <a:t> your institution’s logo here</a:t>
-            </a:r>
-            <a:endParaRPr lang="en-US" sz="4000" dirty="0">
-              <a:solidFill>
-                <a:schemeClr val="bg1"/>
-              </a:solidFill>
-              <a:latin typeface="DIN" charset="0"/>
-              <a:ea typeface="DIN" charset="0"/>
-              <a:cs typeface="DIN" charset="0"/>
-            </a:endParaRPr>
-          </a:p>
-        </p:txBody>
-      </p:sp>
-      <p:sp>
-        <p:nvSpPr>
-          <p:cNvPr id="12" name="TextBox 11"/>
-          <p:cNvSpPr txBox="1"/>
-          <p:nvPr/>
-        </p:nvSpPr>
-        <p:spPr>
-          <a:xfrm>
-            <a:off x="11811000" y="30212447"/>
-            <a:ext cx="8229600" cy="1323439"/>
-          </a:xfrm>
-          <a:prstGeom prst="rect">
-            <a:avLst/>
-          </a:prstGeom>
-          <a:noFill/>
-        </p:spPr>
-        <p:txBody>
-          <a:bodyPr wrap="square" rtlCol="0">
-            <a:spAutoFit/>
-          </a:bodyPr>
-          <a:lstStyle/>
-          <a:p>
-            <a:r>
-              <a:rPr lang="en-US" sz="2000" dirty="0" smtClean="0">
-                <a:latin typeface="DIN" charset="0"/>
-                <a:ea typeface="DIN" charset="0"/>
-                <a:cs typeface="DIN" charset="0"/>
-              </a:rPr>
-              <a:t>Software </a:t>
-            </a:r>
-            <a:r>
-              <a:rPr lang="en-US" sz="2000" dirty="0">
-                <a:latin typeface="DIN" charset="0"/>
-                <a:ea typeface="DIN" charset="0"/>
-                <a:cs typeface="DIN" charset="0"/>
-              </a:rPr>
-              <a:t>Fellow Name</a:t>
-            </a:r>
-            <a:r>
-              <a:rPr lang="en-US" sz="2000" dirty="0">
-                <a:latin typeface="DIN" charset="0"/>
-                <a:ea typeface="DIN" charset="0"/>
-                <a:cs typeface="DIN" charset="0"/>
-              </a:rPr>
-              <a:t> was supported by a fellowship from The Molecular Sciences Software Institute under NSF grant </a:t>
-            </a:r>
-            <a:r>
-              <a:rPr lang="en-US" sz="2000" dirty="0" smtClean="0">
-                <a:latin typeface="DIN" charset="0"/>
-                <a:ea typeface="DIN" charset="0"/>
-                <a:cs typeface="DIN" charset="0"/>
-              </a:rPr>
-              <a:t>ACI-1547580</a:t>
-            </a:r>
-          </a:p>
-          <a:p>
-            <a:endParaRPr lang="en-US" sz="2000" dirty="0">
-              <a:latin typeface="DIN" charset="0"/>
-              <a:ea typeface="DIN" charset="0"/>
-              <a:cs typeface="DIN" charset="0"/>
-            </a:endParaRPr>
-          </a:p>
-          <a:p>
-            <a:r>
-              <a:rPr lang="en-US" sz="2000" dirty="0" smtClean="0">
-                <a:latin typeface="DIN" charset="0"/>
-                <a:ea typeface="DIN" charset="0"/>
-                <a:cs typeface="DIN" charset="0"/>
-              </a:rPr>
-              <a:t>* Other funding acknowledgements</a:t>
-            </a:r>
-            <a:endParaRPr lang="en-US" sz="2000" dirty="0">
-              <a:latin typeface="DIN" charset="0"/>
-              <a:ea typeface="DIN" charset="0"/>
-              <a:cs typeface="DIN" charset="0"/>
-            </a:endParaRPr>
-          </a:p>
-        </p:txBody>
-      </p:sp>
-      <p:grpSp>
-        <p:nvGrpSpPr>
-          <p:cNvPr id="3" name="Group 2"/>
-          <p:cNvGrpSpPr/>
-          <p:nvPr/>
-        </p:nvGrpSpPr>
-        <p:grpSpPr>
-          <a:xfrm>
-            <a:off x="11811000" y="29351216"/>
-            <a:ext cx="9195412" cy="769441"/>
-            <a:chOff x="10921388" y="28813823"/>
-            <a:chExt cx="9195412" cy="769441"/>
-          </a:xfrm>
-        </p:grpSpPr>
-        <p:cxnSp>
-          <p:nvCxnSpPr>
-            <p:cNvPr id="16" name="Straight Connector 15"/>
-            <p:cNvCxnSpPr/>
-            <p:nvPr/>
-          </p:nvCxnSpPr>
-          <p:spPr>
-            <a:xfrm>
-              <a:off x="10972800" y="29583264"/>
-              <a:ext cx="9144000" cy="0"/>
-            </a:xfrm>
-            <a:prstGeom prst="line">
-              <a:avLst/>
-            </a:prstGeom>
-            <a:ln w="25400"/>
-          </p:spPr>
-          <p:style>
-            <a:lnRef idx="1">
-              <a:schemeClr val="dk1"/>
-            </a:lnRef>
-            <a:fillRef idx="0">
-              <a:schemeClr val="dk1"/>
-            </a:fillRef>
-            <a:effectRef idx="0">
-              <a:schemeClr val="dk1"/>
-            </a:effectRef>
-            <a:fontRef idx="minor">
-              <a:schemeClr val="tx1"/>
-            </a:fontRef>
-          </p:style>
-        </p:cxnSp>
-        <p:sp>
-          <p:nvSpPr>
-            <p:cNvPr id="17" name="TextBox 16"/>
-            <p:cNvSpPr txBox="1"/>
-            <p:nvPr/>
-          </p:nvSpPr>
-          <p:spPr>
-            <a:xfrm>
-              <a:off x="10921388" y="28813823"/>
-              <a:ext cx="9195412" cy="769441"/>
-            </a:xfrm>
-            <a:prstGeom prst="rect">
-              <a:avLst/>
-            </a:prstGeom>
-            <a:noFill/>
-          </p:spPr>
-          <p:txBody>
-            <a:bodyPr wrap="square" rtlCol="0">
-              <a:spAutoFit/>
-            </a:bodyPr>
-            <a:lstStyle/>
-            <a:p>
-              <a:r>
-                <a:rPr lang="en-US" sz="4400" spc="300" dirty="0" smtClean="0">
-                  <a:latin typeface="DIN Condensed" charset="0"/>
-                  <a:ea typeface="DIN Condensed" charset="0"/>
-                  <a:cs typeface="DIN Condensed" charset="0"/>
-                </a:rPr>
-                <a:t>Ackn</a:t>
-              </a:r>
-              <a:r>
-                <a:rPr lang="en-US" sz="4400" spc="300" dirty="0" smtClean="0">
-                  <a:latin typeface="DIN Condensed" charset="0"/>
-                  <a:ea typeface="DIN Condensed" charset="0"/>
-                  <a:cs typeface="DIN Condensed" charset="0"/>
-                </a:rPr>
-                <a:t>owledgements</a:t>
-              </a:r>
-              <a:endParaRPr lang="en-US" sz="4400" spc="300" dirty="0">
-                <a:latin typeface="DIN Condensed" charset="0"/>
-                <a:ea typeface="DIN Condensed" charset="0"/>
-                <a:cs typeface="DIN Condensed" charset="0"/>
-              </a:endParaRPr>
-            </a:p>
-          </p:txBody>
-        </p:sp>
-      </p:grpSp>
+            <a:endParaRPr lang="en-US"/>
+          </a:p>
+        </p:txBody>
+      </p:sp>
     </p:spTree>
     <p:extLst>
       <p:ext uri="{BB962C8B-B14F-4D97-AF65-F5344CB8AC3E}">
-        <p14:creationId xmlns:p14="http://schemas.microsoft.com/office/powerpoint/2010/main" val="1193807054"/>
+        <p14:creationId xmlns:p14="http://schemas.microsoft.com/office/powerpoint/2010/main" val="573653162"/>
       </p:ext>
     </p:extLst>
   </p:cSld>
   <p:clrMapOvr>
     <a:masterClrMapping/>
   </p:clrMapOvr>
-  <p:timing>
-    <p:tnLst>
-      <p:par>
-        <p:cTn id="1" dur="indefinite" restart="never" nodeType="tmRoot"/>
-      </p:par>
-    </p:tnLst>
-  </p:timing>
 </p:sld>
 </file>
 
@@ -4395,76 +4230,16 @@
         <a:srgbClr val="800080"/>
       </a:folHlink>
     </a:clrScheme>
-    <a:fontScheme name="Office">
+    <a:fontScheme name="Custom 1">
       <a:majorFont>
-        <a:latin typeface="Calibri"/>
+        <a:latin typeface="DINCond-Bold"/>
         <a:ea typeface=""/>
         <a:cs typeface=""/>
-        <a:font script="Jpan" typeface="ＭＳ Ｐゴシック"/>
-        <a:font script="Hang" typeface="맑은 고딕"/>
-        <a:font script="Hans" typeface="宋体"/>
-        <a:font script="Hant" typeface="新細明體"/>
-        <a:font script="Arab" typeface="Times New Roman"/>
-        <a:font script="Hebr" typeface="Times New Roman"/>
-        <a:font script="Thai" typeface="Angsana New"/>
-        <a:font script="Ethi" typeface="Nyala"/>
-        <a:font script="Beng" typeface="Vrinda"/>
-        <a:font script="Gujr" typeface="Shruti"/>
-        <a:font script="Khmr" typeface="MoolBoran"/>
-        <a:font script="Knda" typeface="Tunga"/>
-        <a:font script="Guru" typeface="Raavi"/>
-        <a:font script="Cans" typeface="Euphemia"/>
-        <a:font script="Cher" typeface="Plantagenet Cherokee"/>
-        <a:font script="Yiii" typeface="Microsoft Yi Baiti"/>
-        <a:font script="Tibt" typeface="Microsoft Himalaya"/>
-        <a:font script="Thaa" typeface="MV Boli"/>
-        <a:font script="Deva" typeface="Mangal"/>
-        <a:font script="Telu" typeface="Gautami"/>
-        <a:font script="Taml" typeface="Latha"/>
-        <a:font script="Syrc" typeface="Estrangelo Edessa"/>
-        <a:font script="Orya" typeface="Kalinga"/>
-        <a:font script="Mlym" typeface="Kartika"/>
-        <a:font script="Laoo" typeface="DokChampa"/>
-        <a:font script="Sinh" typeface="Iskoola Pota"/>
-        <a:font script="Mong" typeface="Mongolian Baiti"/>
-        <a:font script="Viet" typeface="Times New Roman"/>
-        <a:font script="Uigh" typeface="Microsoft Uighur"/>
-        <a:font script="Geor" typeface="Sylfaen"/>
       </a:majorFont>
       <a:minorFont>
         <a:latin typeface="Calibri"/>
         <a:ea typeface=""/>
         <a:cs typeface=""/>
-        <a:font script="Jpan" typeface="ＭＳ Ｐゴシック"/>
-        <a:font script="Hang" typeface="맑은 고딕"/>
-        <a:font script="Hans" typeface="宋体"/>
-        <a:font script="Hant" typeface="新細明體"/>
-        <a:font script="Arab" typeface="Arial"/>
-        <a:font script="Hebr" typeface="Arial"/>
-        <a:font script="Thai" typeface="Cordia New"/>
-        <a:font script="Ethi" typeface="Nyala"/>
-        <a:font script="Beng" typeface="Vrinda"/>
-        <a:font script="Gujr" typeface="Shruti"/>
-        <a:font script="Khmr" typeface="DaunPenh"/>
-        <a:font script="Knda" typeface="Tunga"/>
-        <a:font script="Guru" typeface="Raavi"/>
-        <a:font script="Cans" typeface="Euphemia"/>
-        <a:font script="Cher" typeface="Plantagenet Cherokee"/>
-        <a:font script="Yiii" typeface="Microsoft Yi Baiti"/>
-        <a:font script="Tibt" typeface="Microsoft Himalaya"/>
-        <a:font script="Thaa" typeface="MV Boli"/>
-        <a:font script="Deva" typeface="Mangal"/>
-        <a:font script="Telu" typeface="Gautami"/>
-        <a:font script="Taml" typeface="Latha"/>
-        <a:font script="Syrc" typeface="Estrangelo Edessa"/>
-        <a:font script="Orya" typeface="Kalinga"/>
-        <a:font script="Mlym" typeface="Kartika"/>
-        <a:font script="Laoo" typeface="DokChampa"/>
-        <a:font script="Sinh" typeface="Iskoola Pota"/>
-        <a:font script="Mong" typeface="Mongolian Baiti"/>
-        <a:font script="Viet" typeface="Arial"/>
-        <a:font script="Uigh" typeface="Microsoft Uighur"/>
-        <a:font script="Geor" typeface="Sylfaen"/>
       </a:minorFont>
     </a:fontScheme>
     <a:fmtScheme name="Office">
@@ -4898,4 +4673,299 @@
     </a:ext>
   </a:extLst>
 </a:theme>
+</file>
+
+<file path=ppt/theme/theme3.xml><?xml version="1.0" encoding="utf-8"?>
+<a:theme xmlns:a="http://schemas.openxmlformats.org/drawingml/2006/main" name="Office Theme">
+  <a:themeElements>
+    <a:clrScheme name="Office">
+      <a:dk1>
+        <a:sysClr val="windowText" lastClr="000000"/>
+      </a:dk1>
+      <a:lt1>
+        <a:sysClr val="window" lastClr="FFFFFF"/>
+      </a:lt1>
+      <a:dk2>
+        <a:srgbClr val="44546A"/>
+      </a:dk2>
+      <a:lt2>
+        <a:srgbClr val="E7E6E6"/>
+      </a:lt2>
+      <a:accent1>
+        <a:srgbClr val="4472C4"/>
+      </a:accent1>
+      <a:accent2>
+        <a:srgbClr val="ED7D31"/>
+      </a:accent2>
+      <a:accent3>
+        <a:srgbClr val="A5A5A5"/>
+      </a:accent3>
+      <a:accent4>
+        <a:srgbClr val="FFC000"/>
+      </a:accent4>
+      <a:accent5>
+        <a:srgbClr val="5B9BD5"/>
+      </a:accent5>
+      <a:accent6>
+        <a:srgbClr val="70AD47"/>
+      </a:accent6>
+      <a:hlink>
+        <a:srgbClr val="0563C1"/>
+      </a:hlink>
+      <a:folHlink>
+        <a:srgbClr val="954F72"/>
+      </a:folHlink>
+    </a:clrScheme>
+    <a:fontScheme name="Office">
+      <a:majorFont>
+        <a:latin typeface="Calibri Light" panose="020F0302020204030204"/>
+        <a:ea typeface=""/>
+        <a:cs typeface=""/>
+        <a:font script="Jpan" typeface="游ゴシック Light"/>
+        <a:font script="Hang" typeface="맑은 고딕"/>
+        <a:font script="Hans" typeface="等线 Light"/>
+        <a:font script="Hant" typeface="新細明體"/>
+        <a:font script="Arab" typeface="Times New Roman"/>
+        <a:font script="Hebr" typeface="Times New Roman"/>
+        <a:font script="Thai" typeface="Angsana New"/>
+        <a:font script="Ethi" typeface="Nyala"/>
+        <a:font script="Beng" typeface="Vrinda"/>
+        <a:font script="Gujr" typeface="Shruti"/>
+        <a:font script="Khmr" typeface="MoolBoran"/>
+        <a:font script="Knda" typeface="Tunga"/>
+        <a:font script="Guru" typeface="Raavi"/>
+        <a:font script="Cans" typeface="Euphemia"/>
+        <a:font script="Cher" typeface="Plantagenet Cherokee"/>
+        <a:font script="Yiii" typeface="Microsoft Yi Baiti"/>
+        <a:font script="Tibt" typeface="Microsoft Himalaya"/>
+        <a:font script="Thaa" typeface="MV Boli"/>
+        <a:font script="Deva" typeface="Mangal"/>
+        <a:font script="Telu" typeface="Gautami"/>
+        <a:font script="Taml" typeface="Latha"/>
+        <a:font script="Syrc" typeface="Estrangelo Edessa"/>
+        <a:font script="Orya" typeface="Kalinga"/>
+        <a:font script="Mlym" typeface="Kartika"/>
+        <a:font script="Laoo" typeface="DokChampa"/>
+        <a:font script="Sinh" typeface="Iskoola Pota"/>
+        <a:font script="Mong" typeface="Mongolian Baiti"/>
+        <a:font script="Viet" typeface="Times New Roman"/>
+        <a:font script="Uigh" typeface="Microsoft Uighur"/>
+        <a:font script="Geor" typeface="Sylfaen"/>
+        <a:font script="Armn" typeface="Arial"/>
+        <a:font script="Bugi" typeface="Leelawadee UI"/>
+        <a:font script="Bopo" typeface="Microsoft JhengHei"/>
+        <a:font script="Java" typeface="Javanese Text"/>
+        <a:font script="Lisu" typeface="Segoe UI"/>
+        <a:font script="Mymr" typeface="Myanmar Text"/>
+        <a:font script="Nkoo" typeface="Ebrima"/>
+        <a:font script="Olck" typeface="Nirmala UI"/>
+        <a:font script="Osma" typeface="Ebrima"/>
+        <a:font script="Phag" typeface="Phagspa"/>
+        <a:font script="Syrn" typeface="Estrangelo Edessa"/>
+        <a:font script="Syrj" typeface="Estrangelo Edessa"/>
+        <a:font script="Syre" typeface="Estrangelo Edessa"/>
+        <a:font script="Sora" typeface="Nirmala UI"/>
+        <a:font script="Tale" typeface="Microsoft Tai Le"/>
+        <a:font script="Talu" typeface="Microsoft New Tai Lue"/>
+        <a:font script="Tfng" typeface="Ebrima"/>
+      </a:majorFont>
+      <a:minorFont>
+        <a:latin typeface="Calibri" panose="020F0502020204030204"/>
+        <a:ea typeface=""/>
+        <a:cs typeface=""/>
+        <a:font script="Jpan" typeface="游ゴシック"/>
+        <a:font script="Hang" typeface="맑은 고딕"/>
+        <a:font script="Hans" typeface="等线"/>
+        <a:font script="Hant" typeface="新細明體"/>
+        <a:font script="Arab" typeface="Arial"/>
+        <a:font script="Hebr" typeface="Arial"/>
+        <a:font script="Thai" typeface="Cordia New"/>
+        <a:font script="Ethi" typeface="Nyala"/>
+        <a:font script="Beng" typeface="Vrinda"/>
+        <a:font script="Gujr" typeface="Shruti"/>
+        <a:font script="Khmr" typeface="DaunPenh"/>
+        <a:font script="Knda" typeface="Tunga"/>
+        <a:font script="Guru" typeface="Raavi"/>
+        <a:font script="Cans" typeface="Euphemia"/>
+        <a:font script="Cher" typeface="Plantagenet Cherokee"/>
+        <a:font script="Yiii" typeface="Microsoft Yi Baiti"/>
+        <a:font script="Tibt" typeface="Microsoft Himalaya"/>
+        <a:font script="Thaa" typeface="MV Boli"/>
+        <a:font script="Deva" typeface="Mangal"/>
+        <a:font script="Telu" typeface="Gautami"/>
+        <a:font script="Taml" typeface="Latha"/>
+        <a:font script="Syrc" typeface="Estrangelo Edessa"/>
+        <a:font script="Orya" typeface="Kalinga"/>
+        <a:font script="Mlym" typeface="Kartika"/>
+        <a:font script="Laoo" typeface="DokChampa"/>
+        <a:font script="Sinh" typeface="Iskoola Pota"/>
+        <a:font script="Mong" typeface="Mongolian Baiti"/>
+        <a:font script="Viet" typeface="Arial"/>
+        <a:font script="Uigh" typeface="Microsoft Uighur"/>
+        <a:font script="Geor" typeface="Sylfaen"/>
+        <a:font script="Armn" typeface="Arial"/>
+        <a:font script="Bugi" typeface="Leelawadee UI"/>
+        <a:font script="Bopo" typeface="Microsoft JhengHei"/>
+        <a:font script="Java" typeface="Javanese Text"/>
+        <a:font script="Lisu" typeface="Segoe UI"/>
+        <a:font script="Mymr" typeface="Myanmar Text"/>
+        <a:font script="Nkoo" typeface="Ebrima"/>
+        <a:font script="Olck" typeface="Nirmala UI"/>
+        <a:font script="Osma" typeface="Ebrima"/>
+        <a:font script="Phag" typeface="Phagspa"/>
+        <a:font script="Syrn" typeface="Estrangelo Edessa"/>
+        <a:font script="Syrj" typeface="Estrangelo Edessa"/>
+        <a:font script="Syre" typeface="Estrangelo Edessa"/>
+        <a:font script="Sora" typeface="Nirmala UI"/>
+        <a:font script="Tale" typeface="Microsoft Tai Le"/>
+        <a:font script="Talu" typeface="Microsoft New Tai Lue"/>
+        <a:font script="Tfng" typeface="Ebrima"/>
+      </a:minorFont>
+    </a:fontScheme>
+    <a:fmtScheme name="Office">
+      <a:fillStyleLst>
+        <a:solidFill>
+          <a:schemeClr val="phClr"/>
+        </a:solidFill>
+        <a:gradFill rotWithShape="1">
+          <a:gsLst>
+            <a:gs pos="0">
+              <a:schemeClr val="phClr">
+                <a:lumMod val="110000"/>
+                <a:satMod val="105000"/>
+                <a:tint val="67000"/>
+              </a:schemeClr>
+            </a:gs>
+            <a:gs pos="50000">
+              <a:schemeClr val="phClr">
+                <a:lumMod val="105000"/>
+                <a:satMod val="103000"/>
+                <a:tint val="73000"/>
+              </a:schemeClr>
+            </a:gs>
+            <a:gs pos="100000">
+              <a:schemeClr val="phClr">
+                <a:lumMod val="105000"/>
+                <a:satMod val="109000"/>
+                <a:tint val="81000"/>
+              </a:schemeClr>
+            </a:gs>
+          </a:gsLst>
+          <a:lin ang="5400000" scaled="0"/>
+        </a:gradFill>
+        <a:gradFill rotWithShape="1">
+          <a:gsLst>
+            <a:gs pos="0">
+              <a:schemeClr val="phClr">
+                <a:satMod val="103000"/>
+                <a:lumMod val="102000"/>
+                <a:tint val="94000"/>
+              </a:schemeClr>
+            </a:gs>
+            <a:gs pos="50000">
+              <a:schemeClr val="phClr">
+                <a:satMod val="110000"/>
+                <a:lumMod val="100000"/>
+                <a:shade val="100000"/>
+              </a:schemeClr>
+            </a:gs>
+            <a:gs pos="100000">
+              <a:schemeClr val="phClr">
+                <a:lumMod val="99000"/>
+                <a:satMod val="120000"/>
+                <a:shade val="78000"/>
+              </a:schemeClr>
+            </a:gs>
+          </a:gsLst>
+          <a:lin ang="5400000" scaled="0"/>
+        </a:gradFill>
+      </a:fillStyleLst>
+      <a:lnStyleLst>
+        <a:ln w="6350" cap="flat" cmpd="sng" algn="ctr">
+          <a:solidFill>
+            <a:schemeClr val="phClr"/>
+          </a:solidFill>
+          <a:prstDash val="solid"/>
+          <a:miter lim="800000"/>
+        </a:ln>
+        <a:ln w="12700" cap="flat" cmpd="sng" algn="ctr">
+          <a:solidFill>
+            <a:schemeClr val="phClr"/>
+          </a:solidFill>
+          <a:prstDash val="solid"/>
+          <a:miter lim="800000"/>
+        </a:ln>
+        <a:ln w="19050" cap="flat" cmpd="sng" algn="ctr">
+          <a:solidFill>
+            <a:schemeClr val="phClr"/>
+          </a:solidFill>
+          <a:prstDash val="solid"/>
+          <a:miter lim="800000"/>
+        </a:ln>
+      </a:lnStyleLst>
+      <a:effectStyleLst>
+        <a:effectStyle>
+          <a:effectLst/>
+        </a:effectStyle>
+        <a:effectStyle>
+          <a:effectLst/>
+        </a:effectStyle>
+        <a:effectStyle>
+          <a:effectLst>
+            <a:outerShdw blurRad="57150" dist="19050" dir="5400000" algn="ctr" rotWithShape="0">
+              <a:srgbClr val="000000">
+                <a:alpha val="63000"/>
+              </a:srgbClr>
+            </a:outerShdw>
+          </a:effectLst>
+        </a:effectStyle>
+      </a:effectStyleLst>
+      <a:bgFillStyleLst>
+        <a:solidFill>
+          <a:schemeClr val="phClr"/>
+        </a:solidFill>
+        <a:solidFill>
+          <a:schemeClr val="phClr">
+            <a:tint val="95000"/>
+            <a:satMod val="170000"/>
+          </a:schemeClr>
+        </a:solidFill>
+        <a:gradFill rotWithShape="1">
+          <a:gsLst>
+            <a:gs pos="0">
+              <a:schemeClr val="phClr">
+                <a:tint val="93000"/>
+                <a:satMod val="150000"/>
+                <a:shade val="98000"/>
+                <a:lumMod val="102000"/>
+              </a:schemeClr>
+            </a:gs>
+            <a:gs pos="50000">
+              <a:schemeClr val="phClr">
+                <a:tint val="98000"/>
+                <a:satMod val="130000"/>
+                <a:shade val="90000"/>
+                <a:lumMod val="103000"/>
+              </a:schemeClr>
+            </a:gs>
+            <a:gs pos="100000">
+              <a:schemeClr val="phClr">
+                <a:shade val="63000"/>
+                <a:satMod val="120000"/>
+              </a:schemeClr>
+            </a:gs>
+          </a:gsLst>
+          <a:lin ang="5400000" scaled="0"/>
+        </a:gradFill>
+      </a:bgFillStyleLst>
+    </a:fmtScheme>
+  </a:themeElements>
+  <a:objectDefaults/>
+  <a:extraClrSchemeLst/>
+  <a:extLst>
+    <a:ext uri="{05A4C25C-085E-4340-85A3-A5531E510DB2}">
+      <thm15:themeFamily xmlns:thm15="http://schemas.microsoft.com/office/thememl/2012/main" name="Office Theme" id="{62F939B6-93AF-4DB8-9C6B-D6C7DFDC589F}" vid="{4A3C46E8-61CC-4603-A589-7422A47A8E4A}"/>
+    </a:ext>
+  </a:extLst>
+</a:theme>
 </file>